--- a/Laporan/File powerpoint responsi pertama.pptx
+++ b/Laporan/File powerpoint responsi pertama.pptx
@@ -284,7 +284,7 @@
           <a:p>
             <a:fld id="{1160EA64-D806-43AC-9DF2-F8C432F32B4C}" type="datetimeFigureOut">
               <a:rPr lang="en-US" dirty="0"/>
-              <a:t>5/2/2016</a:t>
+              <a:t>5/9/2016</a:t>
             </a:fld>
             <a:endParaRPr lang="en-US" dirty="0"/>
           </a:p>
@@ -450,7 +450,7 @@
           <a:p>
             <a:fld id="{E9F9C37B-1D36-470B-8223-D6C91242EC14}" type="datetimeFigureOut">
               <a:rPr lang="en-US" dirty="0"/>
-              <a:t>5/2/2016</a:t>
+              <a:t>5/9/2016</a:t>
             </a:fld>
             <a:endParaRPr lang="en-US" dirty="0"/>
           </a:p>
@@ -625,7 +625,7 @@
           <a:p>
             <a:fld id="{67C6F52A-A82B-47A2-A83A-8C4C91F2D59F}" type="datetimeFigureOut">
               <a:rPr lang="en-US" dirty="0"/>
-              <a:t>5/2/2016</a:t>
+              <a:t>5/9/2016</a:t>
             </a:fld>
             <a:endParaRPr lang="en-US" dirty="0"/>
           </a:p>
@@ -790,7 +790,7 @@
           <a:p>
             <a:fld id="{F070A7B3-6521-4DCA-87E5-044747A908C1}" type="datetimeFigureOut">
               <a:rPr lang="en-US" dirty="0"/>
-              <a:t>5/2/2016</a:t>
+              <a:t>5/9/2016</a:t>
             </a:fld>
             <a:endParaRPr lang="en-US" dirty="0"/>
           </a:p>
@@ -1054,7 +1054,7 @@
           <a:p>
             <a:fld id="{1160EA64-D806-43AC-9DF2-F8C432F32B4C}" type="datetimeFigureOut">
               <a:rPr lang="en-US" dirty="0"/>
-              <a:t>5/2/2016</a:t>
+              <a:t>5/9/2016</a:t>
             </a:fld>
             <a:endParaRPr lang="en-US" dirty="0"/>
           </a:p>
@@ -1282,7 +1282,7 @@
           <a:p>
             <a:fld id="{AB134690-1557-4C89-A502-4959FE7FAD70}" type="datetimeFigureOut">
               <a:rPr lang="en-US" dirty="0"/>
-              <a:t>5/2/2016</a:t>
+              <a:t>5/9/2016</a:t>
             </a:fld>
             <a:endParaRPr lang="en-US" dirty="0"/>
           </a:p>
@@ -1632,7 +1632,7 @@
           <a:p>
             <a:fld id="{4F7D4976-E339-4826-83B7-FBD03F55ECF8}" type="datetimeFigureOut">
               <a:rPr lang="en-US" dirty="0"/>
-              <a:t>5/2/2016</a:t>
+              <a:t>5/9/2016</a:t>
             </a:fld>
             <a:endParaRPr lang="en-US" dirty="0"/>
           </a:p>
@@ -1768,7 +1768,7 @@
           <a:p>
             <a:fld id="{E1037C31-9E7A-4F99-8774-A0E530DE1A42}" type="datetimeFigureOut">
               <a:rPr lang="en-US" dirty="0"/>
-              <a:t>5/2/2016</a:t>
+              <a:t>5/9/2016</a:t>
             </a:fld>
             <a:endParaRPr lang="en-US" dirty="0"/>
           </a:p>
@@ -1858,7 +1858,7 @@
           <a:p>
             <a:fld id="{C278504F-A551-4DE0-9316-4DCD1D8CC752}" type="datetimeFigureOut">
               <a:rPr lang="en-US" dirty="0"/>
-              <a:t>5/2/2016</a:t>
+              <a:t>5/9/2016</a:t>
             </a:fld>
             <a:endParaRPr lang="en-US" dirty="0"/>
           </a:p>
@@ -2210,7 +2210,7 @@
           <a:p>
             <a:fld id="{1160EA64-D806-43AC-9DF2-F8C432F32B4C}" type="datetimeFigureOut">
               <a:rPr lang="en-US" dirty="0"/>
-              <a:t>5/2/2016</a:t>
+              <a:t>5/9/2016</a:t>
             </a:fld>
             <a:endParaRPr lang="en-US" dirty="0"/>
           </a:p>
@@ -2563,7 +2563,7 @@
             <a:fld id="{1160EA64-D806-43AC-9DF2-F8C432F32B4C}" type="datetimeFigureOut">
               <a:rPr lang="en-US" dirty="0"/>
               <a:pPr/>
-              <a:t>5/2/2016</a:t>
+              <a:t>5/9/2016</a:t>
             </a:fld>
             <a:endParaRPr lang="en-US" dirty="0"/>
           </a:p>
@@ -2798,7 +2798,7 @@
           <a:p>
             <a:fld id="{1160EA64-D806-43AC-9DF2-F8C432F32B4C}" type="datetimeFigureOut">
               <a:rPr lang="en-US" dirty="0"/>
-              <a:t>5/2/2016</a:t>
+              <a:t>5/9/2016</a:t>
             </a:fld>
             <a:endParaRPr lang="en-US" dirty="0"/>
           </a:p>
@@ -3571,34 +3571,26 @@
           </a:lstStyle>
           <a:p>
             <a:r>
-              <a:rPr lang="id-ID" sz="3600" dirty="0" smtClean="0"/>
-              <a:t>Membuat </a:t>
+              <a:rPr lang="id-ID" sz="3600" dirty="0"/>
+              <a:t>Membuat Aplikasi Game Riddle/Te</a:t>
+            </a:r>
+            <a:r>
+              <a:rPr lang="en-US" sz="3600" dirty="0" err="1"/>
+              <a:t>ka-Teki</a:t>
+            </a:r>
+            <a:endParaRPr lang="en-US" sz="3600" dirty="0"/>
+          </a:p>
+          <a:p>
+            <a:r>
+              <a:rPr lang="en-US" sz="3600" dirty="0"/>
+              <a:t>(Create Riddle</a:t>
             </a:r>
             <a:r>
               <a:rPr lang="id-ID" sz="3600" dirty="0"/>
-              <a:t>Aplikasi Game </a:t>
+              <a:t> Game</a:t>
             </a:r>
             <a:r>
-              <a:rPr lang="id-ID" sz="3600" dirty="0" smtClean="0"/>
-              <a:t>Riddle/Te</a:t>
-            </a:r>
-            <a:r>
-              <a:rPr lang="en-US" sz="3600" dirty="0" err="1" smtClean="0"/>
-              <a:t>ka-Teki</a:t>
-            </a:r>
-            <a:endParaRPr lang="en-US" sz="3600" dirty="0" smtClean="0"/>
-          </a:p>
-          <a:p>
-            <a:r>
-              <a:rPr lang="en-US" sz="3600" dirty="0" smtClean="0"/>
-              <a:t>(Create Game Riddle With Version </a:t>
-            </a:r>
-            <a:r>
-              <a:rPr lang="en-US" sz="3600" dirty="0" err="1" smtClean="0"/>
-              <a:t>Bahasa</a:t>
-            </a:r>
-            <a:r>
-              <a:rPr lang="en-US" sz="3600" dirty="0" smtClean="0"/>
+              <a:rPr lang="en-US" sz="3600" dirty="0"/>
               <a:t>)</a:t>
             </a:r>
             <a:endParaRPr lang="id-ID" sz="3600" dirty="0"/>
@@ -3615,13 +3607,6 @@
   <p:clrMapOvr>
     <a:masterClrMapping/>
   </p:clrMapOvr>
-  <p:timing>
-    <p:tnLst>
-      <p:par>
-        <p:cTn id="1" dur="indefinite" restart="never" nodeType="tmRoot"/>
-      </p:par>
-    </p:tnLst>
-  </p:timing>
 </p:sld>
 </file>
 
@@ -3941,13 +3926,6 @@
   <p:clrMapOvr>
     <a:masterClrMapping/>
   </p:clrMapOvr>
-  <p:timing>
-    <p:tnLst>
-      <p:par>
-        <p:cTn id="1" dur="indefinite" restart="never" nodeType="tmRoot"/>
-      </p:par>
-    </p:tnLst>
-  </p:timing>
 </p:sld>
 </file>
 
@@ -3992,19 +3970,11 @@
           <a:p>
             <a:r>
               <a:rPr lang="id-ID" sz="3600" dirty="0"/>
-              <a:t>Menentukan Masalah </a:t>
-            </a:r>
-            <a:r>
-              <a:rPr lang="id-ID" sz="3600" dirty="0" smtClean="0"/>
-              <a:t>Pokok</a:t>
+              <a:t>Menentukan Masalah Pokok</a:t>
             </a:r>
             <a:r>
               <a:rPr lang="en-US" sz="3600" dirty="0"/>
-              <a:t> </a:t>
-            </a:r>
-            <a:r>
-              <a:rPr lang="en-US" sz="3600" dirty="0" smtClean="0"/>
-              <a:t>(Main Problem) </a:t>
+              <a:t> (Main Problem) </a:t>
             </a:r>
           </a:p>
         </p:txBody>
@@ -4080,7 +4050,7 @@
         <p:spPr>
           <a:xfrm>
             <a:off x="629480" y="2888964"/>
-            <a:ext cx="10959548" cy="1938992"/>
+            <a:ext cx="10959548" cy="1569660"/>
           </a:xfrm>
           <a:prstGeom prst="rect">
             <a:avLst/>
@@ -4101,132 +4071,74 @@
               <a:t>Belum ada aplikasi Permainan Riddle yang </a:t>
             </a:r>
             <a:r>
-              <a:rPr lang="en-US" sz="2400" dirty="0" err="1" smtClean="0"/>
+              <a:rPr lang="en-US" sz="2400" dirty="0" err="1"/>
               <a:t>menggunakan</a:t>
             </a:r>
             <a:r>
-              <a:rPr lang="en-US" sz="2400" dirty="0" smtClean="0"/>
+              <a:rPr lang="en-US" sz="2400" dirty="0"/>
               <a:t> </a:t>
             </a:r>
             <a:r>
-              <a:rPr lang="id-ID" sz="2400" dirty="0" smtClean="0"/>
+              <a:rPr lang="id-ID" sz="2400" dirty="0"/>
               <a:t>bahasa Indonesia</a:t>
             </a:r>
             <a:r>
-              <a:rPr lang="en-US" sz="2400" dirty="0" smtClean="0"/>
+              <a:rPr lang="en-US" sz="2400" dirty="0"/>
               <a:t>.</a:t>
             </a:r>
-            <a:endParaRPr lang="en-US" sz="2400" dirty="0"/>
           </a:p>
           <a:p>
             <a:pPr marL="342900" indent="-342900">
               <a:buAutoNum type="arabicPeriod"/>
             </a:pPr>
             <a:r>
-              <a:rPr lang="id-ID" sz="2400" dirty="0" smtClean="0"/>
-              <a:t>Soal permainan </a:t>
+              <a:rPr lang="id-ID" sz="2400" dirty="0"/>
+              <a:t>Soal permainan riddle yang cenderung sulit dipahami</a:t>
+            </a:r>
+            <a:r>
+              <a:rPr lang="en-US" sz="2400" dirty="0"/>
+              <a:t> </a:t>
+            </a:r>
+            <a:r>
+              <a:rPr lang="en-US" sz="2400" dirty="0" err="1"/>
+              <a:t>oleh</a:t>
+            </a:r>
+            <a:r>
+              <a:rPr lang="en-US" sz="2400" dirty="0"/>
+              <a:t> </a:t>
+            </a:r>
+            <a:r>
+              <a:rPr lang="en-US" sz="2400" dirty="0" err="1"/>
+              <a:t>sebagian</a:t>
+            </a:r>
+            <a:r>
+              <a:rPr lang="en-US" sz="2400" dirty="0"/>
+              <a:t> orang </a:t>
+            </a:r>
+            <a:r>
+              <a:rPr lang="en-US" sz="2400" dirty="0" err="1"/>
+              <a:t>terutama</a:t>
+            </a:r>
+            <a:r>
+              <a:rPr lang="en-US" sz="2400" dirty="0"/>
+              <a:t> orang yang </a:t>
+            </a:r>
+            <a:r>
+              <a:rPr lang="en-US" sz="2400" dirty="0" err="1"/>
+              <a:t>baru</a:t>
+            </a:r>
+            <a:r>
+              <a:rPr lang="en-US" sz="2400" dirty="0"/>
+              <a:t> </a:t>
+            </a:r>
+            <a:r>
+              <a:rPr lang="en-US" sz="2400" dirty="0" err="1"/>
+              <a:t>memainkannya</a:t>
             </a:r>
             <a:r>
               <a:rPr lang="id-ID" sz="2400" dirty="0"/>
-              <a:t>riddle yang cenderung sulit </a:t>
+              <a:t>.</a:t>
             </a:r>
-            <a:r>
-              <a:rPr lang="id-ID" sz="2400" dirty="0" smtClean="0"/>
-              <a:t>dipahami</a:t>
-            </a:r>
-            <a:r>
-              <a:rPr lang="en-US" sz="2400" dirty="0" smtClean="0"/>
-              <a:t> </a:t>
-            </a:r>
-            <a:r>
-              <a:rPr lang="en-US" sz="2400" dirty="0" err="1" smtClean="0"/>
-              <a:t>oleh</a:t>
-            </a:r>
-            <a:r>
-              <a:rPr lang="en-US" sz="2400" dirty="0" smtClean="0"/>
-              <a:t> </a:t>
-            </a:r>
-            <a:r>
-              <a:rPr lang="en-US" sz="2400" dirty="0" err="1" smtClean="0"/>
-              <a:t>sebagian</a:t>
-            </a:r>
-            <a:r>
-              <a:rPr lang="en-US" sz="2400" dirty="0" smtClean="0"/>
-              <a:t> orang </a:t>
-            </a:r>
-            <a:r>
-              <a:rPr lang="en-US" sz="2400" dirty="0" err="1" smtClean="0"/>
-              <a:t>terutama</a:t>
-            </a:r>
-            <a:r>
-              <a:rPr lang="en-US" sz="2400" dirty="0" smtClean="0"/>
-              <a:t> orang yang </a:t>
-            </a:r>
-            <a:r>
-              <a:rPr lang="en-US" sz="2400" dirty="0" err="1" smtClean="0"/>
-              <a:t>baru</a:t>
-            </a:r>
-            <a:r>
-              <a:rPr lang="en-US" sz="2400" dirty="0" smtClean="0"/>
-              <a:t> </a:t>
-            </a:r>
-            <a:r>
-              <a:rPr lang="en-US" sz="2400" dirty="0" err="1" smtClean="0"/>
-              <a:t>memainkannya</a:t>
-            </a:r>
-            <a:r>
-              <a:rPr lang="id-ID" sz="2400" dirty="0" smtClean="0"/>
-              <a:t>(</a:t>
-            </a:r>
-            <a:r>
-              <a:rPr lang="en-US" sz="2400" dirty="0" err="1" smtClean="0"/>
-              <a:t>permainan</a:t>
-            </a:r>
-            <a:r>
-              <a:rPr lang="en-US" sz="2400" dirty="0" smtClean="0"/>
-              <a:t> </a:t>
-            </a:r>
-            <a:r>
-              <a:rPr lang="en-US" sz="2400" dirty="0" err="1" smtClean="0"/>
-              <a:t>ini</a:t>
-            </a:r>
-            <a:r>
-              <a:rPr lang="en-US" sz="2400" dirty="0" smtClean="0"/>
-              <a:t> </a:t>
-            </a:r>
-            <a:r>
-              <a:rPr lang="en-US" sz="2400" dirty="0" err="1" smtClean="0"/>
-              <a:t>terkenal</a:t>
-            </a:r>
-            <a:r>
-              <a:rPr lang="en-US" sz="2400" dirty="0" smtClean="0"/>
-              <a:t> di</a:t>
-            </a:r>
-            <a:r>
-              <a:rPr lang="id-ID" sz="2400" dirty="0" smtClean="0"/>
-              <a:t>forum</a:t>
-            </a:r>
-            <a:r>
-              <a:rPr lang="en-US" sz="2400" dirty="0" smtClean="0"/>
-              <a:t>-forum </a:t>
-            </a:r>
-            <a:r>
-              <a:rPr lang="en-US" sz="2400" dirty="0" err="1" smtClean="0"/>
-              <a:t>seperti</a:t>
-            </a:r>
-            <a:r>
-              <a:rPr lang="en-US" sz="2400" dirty="0" smtClean="0"/>
-              <a:t> </a:t>
-            </a:r>
-            <a:r>
-              <a:rPr lang="en-US" sz="2400" dirty="0" err="1" smtClean="0"/>
-              <a:t>kaskus</a:t>
-            </a:r>
-            <a:r>
-              <a:rPr lang="id-ID" sz="2400" dirty="0" smtClean="0"/>
-              <a:t>)</a:t>
-            </a:r>
-            <a:endParaRPr lang="id-ID" sz="2400" dirty="0"/>
           </a:p>
           <a:p>
             <a:pPr marL="342900" indent="-342900">
@@ -4249,13 +4161,6 @@
   <p:clrMapOvr>
     <a:masterClrMapping/>
   </p:clrMapOvr>
-  <p:timing>
-    <p:tnLst>
-      <p:par>
-        <p:cTn id="1" dur="indefinite" restart="never" nodeType="tmRoot"/>
-      </p:par>
-    </p:tnLst>
-  </p:timing>
 </p:sld>
 </file>
 
@@ -4299,14 +4204,14 @@
           <a:lstStyle/>
           <a:p>
             <a:r>
-              <a:rPr lang="en-US" sz="3600" dirty="0" smtClean="0"/>
+              <a:rPr lang="en-US" sz="3600" dirty="0"/>
               <a:t>Main &amp; Riskiest </a:t>
             </a:r>
             <a:r>
-              <a:rPr lang="en-US" sz="3600" dirty="0" err="1" smtClean="0"/>
+              <a:rPr lang="en-US" sz="3600" dirty="0" err="1"/>
               <a:t>Assuption</a:t>
             </a:r>
-            <a:endParaRPr lang="en-US" sz="3600" dirty="0" smtClean="0"/>
+            <a:endParaRPr lang="en-US" sz="3600" dirty="0"/>
           </a:p>
         </p:txBody>
       </p:sp>
@@ -4397,10 +4302,34 @@
                 <a:tableStyleId>{5C22544A-7EE6-4342-B048-85BDC9FD1C3A}</a:tableStyleId>
               </a:tblPr>
               <a:tblGrid>
-                <a:gridCol w="638782"/>
-                <a:gridCol w="3259430"/>
-                <a:gridCol w="3210293"/>
-                <a:gridCol w="3494196"/>
+                <a:gridCol w="638782">
+                  <a:extLst>
+                    <a:ext uri="{9D8B030D-6E8A-4147-A177-3AD203B41FA5}">
+                      <a16:colId xmlns:a16="http://schemas.microsoft.com/office/drawing/2014/main" val="20000"/>
+                    </a:ext>
+                  </a:extLst>
+                </a:gridCol>
+                <a:gridCol w="3259430">
+                  <a:extLst>
+                    <a:ext uri="{9D8B030D-6E8A-4147-A177-3AD203B41FA5}">
+                      <a16:colId xmlns:a16="http://schemas.microsoft.com/office/drawing/2014/main" val="20001"/>
+                    </a:ext>
+                  </a:extLst>
+                </a:gridCol>
+                <a:gridCol w="3210293">
+                  <a:extLst>
+                    <a:ext uri="{9D8B030D-6E8A-4147-A177-3AD203B41FA5}">
+                      <a16:colId xmlns:a16="http://schemas.microsoft.com/office/drawing/2014/main" val="20002"/>
+                    </a:ext>
+                  </a:extLst>
+                </a:gridCol>
+                <a:gridCol w="3494196">
+                  <a:extLst>
+                    <a:ext uri="{9D8B030D-6E8A-4147-A177-3AD203B41FA5}">
+                      <a16:colId xmlns:a16="http://schemas.microsoft.com/office/drawing/2014/main" val="20003"/>
+                    </a:ext>
+                  </a:extLst>
+                </a:gridCol>
               </a:tblGrid>
               <a:tr h="648644">
                 <a:tc>
@@ -4685,6 +4614,11 @@
                     </a:solidFill>
                   </a:tcPr>
                 </a:tc>
+                <a:extLst>
+                  <a:ext uri="{0D108BD9-81ED-4DB2-BD59-A6C34878D82A}">
+                    <a16:rowId xmlns:a16="http://schemas.microsoft.com/office/drawing/2014/main" val="10000"/>
+                  </a:ext>
+                </a:extLst>
               </a:tr>
               <a:tr h="760909">
                 <a:tc>
@@ -4724,61 +4658,61 @@
                     <a:p>
                       <a:pPr algn="l"/>
                       <a:r>
-                        <a:rPr lang="en-US" sz="2000" baseline="0" dirty="0" err="1" smtClean="0">
+                        <a:rPr lang="en-US" sz="2000" baseline="0" dirty="0" err="1">
                           <a:latin typeface="Calibri" panose="020F0502020204030204" pitchFamily="34" charset="0"/>
                         </a:rPr>
                         <a:t>Aplikasi</a:t>
                       </a:r>
                       <a:r>
-                        <a:rPr lang="en-US" sz="2000" baseline="0" dirty="0" smtClean="0">
+                        <a:rPr lang="en-US" sz="2000" baseline="0" dirty="0">
                           <a:latin typeface="Calibri" panose="020F0502020204030204" pitchFamily="34" charset="0"/>
                         </a:rPr>
                         <a:t> riddle yang </a:t>
                       </a:r>
                       <a:r>
-                        <a:rPr lang="en-US" sz="2000" baseline="0" dirty="0" err="1" smtClean="0">
+                        <a:rPr lang="en-US" sz="2000" baseline="0" dirty="0" err="1">
                           <a:latin typeface="Calibri" panose="020F0502020204030204" pitchFamily="34" charset="0"/>
                         </a:rPr>
                         <a:t>menggunakan</a:t>
                       </a:r>
                       <a:r>
-                        <a:rPr lang="en-US" sz="2000" baseline="0" dirty="0" smtClean="0">
+                        <a:rPr lang="en-US" sz="2000" baseline="0" dirty="0">
                           <a:latin typeface="Calibri" panose="020F0502020204030204" pitchFamily="34" charset="0"/>
                         </a:rPr>
                         <a:t> </a:t>
                       </a:r>
                       <a:r>
-                        <a:rPr lang="en-US" sz="2000" baseline="0" dirty="0" err="1" smtClean="0">
+                        <a:rPr lang="en-US" sz="2000" baseline="0" dirty="0" err="1">
                           <a:latin typeface="Calibri" panose="020F0502020204030204" pitchFamily="34" charset="0"/>
                         </a:rPr>
                         <a:t>bahasa</a:t>
                       </a:r>
                       <a:r>
-                        <a:rPr lang="en-US" sz="2000" baseline="0" dirty="0" smtClean="0">
+                        <a:rPr lang="en-US" sz="2000" baseline="0" dirty="0">
                           <a:latin typeface="Calibri" panose="020F0502020204030204" pitchFamily="34" charset="0"/>
                         </a:rPr>
                         <a:t> Indonesia </a:t>
                       </a:r>
                       <a:r>
-                        <a:rPr lang="en-US" sz="2000" baseline="0" dirty="0" err="1" smtClean="0">
+                        <a:rPr lang="en-US" sz="2000" baseline="0" dirty="0" err="1">
                           <a:latin typeface="Calibri" panose="020F0502020204030204" pitchFamily="34" charset="0"/>
                         </a:rPr>
                         <a:t>lebih</a:t>
                       </a:r>
                       <a:r>
-                        <a:rPr lang="en-US" sz="2000" baseline="0" dirty="0" smtClean="0">
+                        <a:rPr lang="en-US" sz="2000" baseline="0" dirty="0">
                           <a:latin typeface="Calibri" panose="020F0502020204030204" pitchFamily="34" charset="0"/>
                         </a:rPr>
                         <a:t> </a:t>
                       </a:r>
                       <a:r>
-                        <a:rPr lang="en-US" sz="2000" baseline="0" dirty="0" err="1" smtClean="0">
+                        <a:rPr lang="en-US" sz="2000" baseline="0" dirty="0" err="1">
                           <a:latin typeface="Calibri" panose="020F0502020204030204" pitchFamily="34" charset="0"/>
                         </a:rPr>
                         <a:t>memudahkan</a:t>
                       </a:r>
                       <a:r>
-                        <a:rPr lang="en-US" sz="2000" baseline="0" dirty="0" smtClean="0">
+                        <a:rPr lang="en-US" sz="2000" baseline="0" dirty="0">
                           <a:latin typeface="Calibri" panose="020F0502020204030204" pitchFamily="34" charset="0"/>
                         </a:rPr>
                         <a:t> user.</a:t>
@@ -4804,56 +4738,56 @@
                     <a:p>
                       <a:pPr algn="l" fontAlgn="ctr"/>
                       <a:r>
-                        <a:rPr lang="en-US" sz="2000" u="none" strike="noStrike" dirty="0" smtClean="0">
+                        <a:rPr lang="en-US" sz="2000" u="none" strike="noStrike" dirty="0">
                           <a:effectLst/>
                           <a:latin typeface="Calibri" panose="020F0502020204030204" pitchFamily="34" charset="0"/>
                         </a:rPr>
                         <a:t>Riddle </a:t>
                       </a:r>
                       <a:r>
-                        <a:rPr lang="en-US" sz="2000" u="none" strike="noStrike" dirty="0" err="1" smtClean="0">
+                        <a:rPr lang="en-US" sz="2000" u="none" strike="noStrike" dirty="0" err="1">
                           <a:effectLst/>
                           <a:latin typeface="Calibri" panose="020F0502020204030204" pitchFamily="34" charset="0"/>
                         </a:rPr>
                         <a:t>membutuhkan</a:t>
                       </a:r>
                       <a:r>
-                        <a:rPr lang="en-US" sz="2000" u="none" strike="noStrike" dirty="0" smtClean="0">
+                        <a:rPr lang="en-US" sz="2000" u="none" strike="noStrike" dirty="0">
                           <a:effectLst/>
                           <a:latin typeface="Calibri" panose="020F0502020204030204" pitchFamily="34" charset="0"/>
                         </a:rPr>
                         <a:t> </a:t>
                       </a:r>
                       <a:r>
-                        <a:rPr lang="en-US" sz="2000" u="none" strike="noStrike" dirty="0" err="1" smtClean="0">
+                        <a:rPr lang="en-US" sz="2000" u="none" strike="noStrike" dirty="0" err="1">
                           <a:effectLst/>
                           <a:latin typeface="Calibri" panose="020F0502020204030204" pitchFamily="34" charset="0"/>
                         </a:rPr>
                         <a:t>kemampuan</a:t>
                       </a:r>
                       <a:r>
-                        <a:rPr lang="en-US" sz="2000" u="none" strike="noStrike" dirty="0" smtClean="0">
+                        <a:rPr lang="en-US" sz="2000" u="none" strike="noStrike" dirty="0">
                           <a:effectLst/>
                           <a:latin typeface="Calibri" panose="020F0502020204030204" pitchFamily="34" charset="0"/>
                         </a:rPr>
                         <a:t> </a:t>
                       </a:r>
                       <a:r>
-                        <a:rPr lang="en-US" sz="2000" u="none" strike="noStrike" dirty="0" err="1" smtClean="0">
+                        <a:rPr lang="en-US" sz="2000" u="none" strike="noStrike" dirty="0" err="1">
                           <a:effectLst/>
                           <a:latin typeface="Calibri" panose="020F0502020204030204" pitchFamily="34" charset="0"/>
                         </a:rPr>
                         <a:t>analisa</a:t>
                       </a:r>
                       <a:r>
-                        <a:rPr lang="en-US" sz="2000" u="none" strike="noStrike" dirty="0" smtClean="0">
+                        <a:rPr lang="en-US" sz="2000" u="none" strike="noStrike" dirty="0">
                           <a:effectLst/>
                           <a:latin typeface="Calibri" panose="020F0502020204030204" pitchFamily="34" charset="0"/>
                         </a:rPr>
                         <a:t> yang </a:t>
                       </a:r>
                       <a:r>
-                        <a:rPr lang="en-US" sz="2000" u="none" strike="noStrike" dirty="0" err="1" smtClean="0">
+                        <a:rPr lang="en-US" sz="2000" u="none" strike="noStrike" dirty="0" err="1">
                           <a:effectLst/>
                           <a:latin typeface="Calibri" panose="020F0502020204030204" pitchFamily="34" charset="0"/>
                         </a:rPr>
@@ -4908,6 +4842,11 @@
                     </a:solidFill>
                   </a:tcPr>
                 </a:tc>
+                <a:extLst>
+                  <a:ext uri="{0D108BD9-81ED-4DB2-BD59-A6C34878D82A}">
+                    <a16:rowId xmlns:a16="http://schemas.microsoft.com/office/drawing/2014/main" val="10001"/>
+                  </a:ext>
+                </a:extLst>
               </a:tr>
               <a:tr h="1085231">
                 <a:tc>
@@ -4963,42 +4902,42 @@
                         <a:defRPr/>
                       </a:pPr>
                       <a:r>
-                        <a:rPr lang="en-US" sz="2000" baseline="0" dirty="0" err="1" smtClean="0">
+                        <a:rPr lang="en-US" sz="2000" baseline="0" dirty="0" err="1">
                           <a:latin typeface="Calibri" panose="020F0502020204030204" pitchFamily="34" charset="0"/>
                         </a:rPr>
                         <a:t>Banyak</a:t>
                       </a:r>
                       <a:r>
-                        <a:rPr lang="en-US" sz="2000" baseline="0" dirty="0" smtClean="0">
+                        <a:rPr lang="en-US" sz="2000" baseline="0" dirty="0">
                           <a:latin typeface="Calibri" panose="020F0502020204030204" pitchFamily="34" charset="0"/>
                         </a:rPr>
                         <a:t> orang yang </a:t>
                       </a:r>
                       <a:r>
-                        <a:rPr lang="en-US" sz="2000" baseline="0" dirty="0" err="1" smtClean="0">
+                        <a:rPr lang="en-US" sz="2000" baseline="0" dirty="0" err="1">
                           <a:latin typeface="Calibri" panose="020F0502020204030204" pitchFamily="34" charset="0"/>
                         </a:rPr>
                         <a:t>belum</a:t>
                       </a:r>
                       <a:r>
-                        <a:rPr lang="en-US" sz="2000" baseline="0" dirty="0" smtClean="0">
+                        <a:rPr lang="en-US" sz="2000" baseline="0" dirty="0">
                           <a:latin typeface="Calibri" panose="020F0502020204030204" pitchFamily="34" charset="0"/>
                         </a:rPr>
                         <a:t> </a:t>
                       </a:r>
                       <a:r>
-                        <a:rPr lang="en-US" sz="2000" baseline="0" dirty="0" err="1" smtClean="0">
+                        <a:rPr lang="en-US" sz="2000" baseline="0" dirty="0" err="1">
                           <a:latin typeface="Calibri" panose="020F0502020204030204" pitchFamily="34" charset="0"/>
                         </a:rPr>
                         <a:t>mengetahui</a:t>
                       </a:r>
                       <a:r>
-                        <a:rPr lang="en-US" sz="2000" baseline="0" dirty="0" smtClean="0">
+                        <a:rPr lang="en-US" sz="2000" baseline="0" dirty="0">
                           <a:latin typeface="Calibri" panose="020F0502020204030204" pitchFamily="34" charset="0"/>
                         </a:rPr>
                         <a:t> game riddle.</a:t>
                       </a:r>
-                      <a:endParaRPr lang="en-US" sz="2000" dirty="0" smtClean="0">
+                      <a:endParaRPr lang="en-US" sz="2000" dirty="0">
                         <a:latin typeface="Calibri" panose="020F0502020204030204" pitchFamily="34" charset="0"/>
                       </a:endParaRPr>
                     </a:p>
@@ -5096,21 +5035,28 @@
                           <a:effectLst/>
                           <a:latin typeface="Calibri" panose="020F0502020204030204" pitchFamily="34" charset="0"/>
                         </a:rPr>
+                        <a:t> orang </a:t>
+                      </a:r>
+                      <a:r>
+                        <a:rPr lang="en-US" sz="2000" u="none" strike="noStrike" dirty="0" err="1">
+                          <a:effectLst/>
+                          <a:latin typeface="Calibri" panose="020F0502020204030204" pitchFamily="34" charset="0"/>
+                        </a:rPr>
+                        <a:t>tertarik</a:t>
+                      </a:r>
+                      <a:r>
+                        <a:rPr lang="en-US" sz="2000" u="none" strike="noStrike" dirty="0">
+                          <a:effectLst/>
+                          <a:latin typeface="Calibri" panose="020F0502020204030204" pitchFamily="34" charset="0"/>
+                        </a:rPr>
                         <a:t> </a:t>
                       </a:r>
                       <a:r>
-                        <a:rPr lang="en-US" sz="2000" u="none" strike="noStrike" dirty="0" smtClean="0">
-                          <a:effectLst/>
-                          <a:latin typeface="Calibri" panose="020F0502020204030204" pitchFamily="34" charset="0"/>
-                        </a:rPr>
-                        <a:t>orang </a:t>
-                      </a:r>
-                      <a:r>
                         <a:rPr lang="en-US" sz="2000" u="none" strike="noStrike" dirty="0" err="1">
                           <a:effectLst/>
                           <a:latin typeface="Calibri" panose="020F0502020204030204" pitchFamily="34" charset="0"/>
                         </a:rPr>
-                        <a:t>tertarik</a:t>
+                        <a:t>untuk</a:t>
                       </a:r>
                       <a:r>
                         <a:rPr lang="en-US" sz="2000" u="none" strike="noStrike" dirty="0">
@@ -5121,20 +5067,6 @@
                       </a:r>
                       <a:r>
                         <a:rPr lang="en-US" sz="2000" u="none" strike="noStrike" dirty="0" err="1">
-                          <a:effectLst/>
-                          <a:latin typeface="Calibri" panose="020F0502020204030204" pitchFamily="34" charset="0"/>
-                        </a:rPr>
-                        <a:t>untuk</a:t>
-                      </a:r>
-                      <a:r>
-                        <a:rPr lang="en-US" sz="2000" u="none" strike="noStrike" dirty="0">
-                          <a:effectLst/>
-                          <a:latin typeface="Calibri" panose="020F0502020204030204" pitchFamily="34" charset="0"/>
-                        </a:rPr>
-                        <a:t> </a:t>
-                      </a:r>
-                      <a:r>
-                        <a:rPr lang="en-US" sz="2000" u="none" strike="noStrike" dirty="0" err="1" smtClean="0">
                           <a:effectLst/>
                           <a:latin typeface="Calibri" panose="020F0502020204030204" pitchFamily="34" charset="0"/>
                         </a:rPr>
@@ -5189,6 +5121,11 @@
                     </a:solidFill>
                   </a:tcPr>
                 </a:tc>
+                <a:extLst>
+                  <a:ext uri="{0D108BD9-81ED-4DB2-BD59-A6C34878D82A}">
+                    <a16:rowId xmlns:a16="http://schemas.microsoft.com/office/drawing/2014/main" val="10002"/>
+                  </a:ext>
+                </a:extLst>
               </a:tr>
               <a:tr h="785857">
                 <a:tc>
@@ -5309,6 +5246,11 @@
                     </a:solidFill>
                   </a:tcPr>
                 </a:tc>
+                <a:extLst>
+                  <a:ext uri="{0D108BD9-81ED-4DB2-BD59-A6C34878D82A}">
+                    <a16:rowId xmlns:a16="http://schemas.microsoft.com/office/drawing/2014/main" val="10003"/>
+                  </a:ext>
+                </a:extLst>
               </a:tr>
             </a:tbl>
           </a:graphicData>
@@ -5324,13 +5266,6 @@
   <p:clrMapOvr>
     <a:masterClrMapping/>
   </p:clrMapOvr>
-  <p:timing>
-    <p:tnLst>
-      <p:par>
-        <p:cTn id="1" dur="indefinite" restart="never" nodeType="tmRoot"/>
-      </p:par>
-    </p:tnLst>
-  </p:timing>
 </p:sld>
 </file>
 
@@ -5376,9 +5311,27 @@
                 <a:tableStyleId>{2A488322-F2BA-4B5B-9748-0D474271808F}</a:tableStyleId>
               </a:tblPr>
               <a:tblGrid>
-                <a:gridCol w="2173600"/>
-                <a:gridCol w="3973484"/>
-                <a:gridCol w="4871258"/>
+                <a:gridCol w="2173600">
+                  <a:extLst>
+                    <a:ext uri="{9D8B030D-6E8A-4147-A177-3AD203B41FA5}">
+                      <a16:colId xmlns:a16="http://schemas.microsoft.com/office/drawing/2014/main" val="20000"/>
+                    </a:ext>
+                  </a:extLst>
+                </a:gridCol>
+                <a:gridCol w="3973484">
+                  <a:extLst>
+                    <a:ext uri="{9D8B030D-6E8A-4147-A177-3AD203B41FA5}">
+                      <a16:colId xmlns:a16="http://schemas.microsoft.com/office/drawing/2014/main" val="20001"/>
+                    </a:ext>
+                  </a:extLst>
+                </a:gridCol>
+                <a:gridCol w="4871258">
+                  <a:extLst>
+                    <a:ext uri="{9D8B030D-6E8A-4147-A177-3AD203B41FA5}">
+                      <a16:colId xmlns:a16="http://schemas.microsoft.com/office/drawing/2014/main" val="20002"/>
+                    </a:ext>
+                  </a:extLst>
+                </a:gridCol>
               </a:tblGrid>
               <a:tr h="457474">
                 <a:tc>
@@ -5387,7 +5340,7 @@
                     <a:lstStyle/>
                     <a:p>
                       <a:r>
-                        <a:rPr lang="en-US" dirty="0" err="1" smtClean="0">
+                        <a:rPr lang="en-US" dirty="0" err="1">
                           <a:latin typeface="Calibri" panose="020F0502020204030204" pitchFamily="34" charset="0"/>
                         </a:rPr>
                         <a:t>Experimen</a:t>
@@ -5406,14 +5359,11 @@
                     <a:p>
                       <a:pPr algn="ctr"/>
                       <a:r>
-                        <a:rPr lang="en-US" dirty="0" smtClean="0">
+                        <a:rPr lang="en-US" dirty="0">
                           <a:latin typeface="Calibri" panose="020F0502020204030204" pitchFamily="34" charset="0"/>
                         </a:rPr>
                         <a:t>1</a:t>
                       </a:r>
-                      <a:endParaRPr lang="en-US" dirty="0">
-                        <a:latin typeface="Calibri" panose="020F0502020204030204" pitchFamily="34" charset="0"/>
-                      </a:endParaRPr>
                     </a:p>
                   </a:txBody>
                   <a:tcPr/>
@@ -5425,18 +5375,20 @@
                     <a:p>
                       <a:pPr algn="ctr"/>
                       <a:r>
-                        <a:rPr lang="en-US" dirty="0" smtClean="0">
+                        <a:rPr lang="en-US" dirty="0">
                           <a:latin typeface="Calibri" panose="020F0502020204030204" pitchFamily="34" charset="0"/>
                         </a:rPr>
                         <a:t>2</a:t>
                       </a:r>
-                      <a:endParaRPr lang="en-US" dirty="0">
-                        <a:latin typeface="Calibri" panose="020F0502020204030204" pitchFamily="34" charset="0"/>
-                      </a:endParaRPr>
                     </a:p>
                   </a:txBody>
                   <a:tcPr/>
                 </a:tc>
+                <a:extLst>
+                  <a:ext uri="{0D108BD9-81ED-4DB2-BD59-A6C34878D82A}">
+                    <a16:rowId xmlns:a16="http://schemas.microsoft.com/office/drawing/2014/main" val="10000"/>
+                  </a:ext>
+                </a:extLst>
               </a:tr>
               <a:tr h="752989">
                 <a:tc>
@@ -5445,14 +5397,11 @@
                     <a:lstStyle/>
                     <a:p>
                       <a:r>
-                        <a:rPr lang="en-US" sz="1600" dirty="0" smtClean="0">
+                        <a:rPr lang="en-US" sz="1600" dirty="0">
                           <a:latin typeface="Calibri" panose="020F0502020204030204" pitchFamily="34" charset="0"/>
                         </a:rPr>
                         <a:t>Costumer</a:t>
                       </a:r>
-                      <a:endParaRPr lang="en-US" sz="1600" dirty="0">
-                        <a:latin typeface="Calibri" panose="020F0502020204030204" pitchFamily="34" charset="0"/>
-                      </a:endParaRPr>
                     </a:p>
                   </a:txBody>
                   <a:tcPr/>
@@ -5467,26 +5416,17 @@
                         <a:buChar char="-"/>
                       </a:pPr>
                       <a:r>
-                        <a:rPr lang="en-US" sz="1400" baseline="0" dirty="0" err="1" smtClean="0">
+                        <a:rPr lang="en-US" sz="1400" baseline="0" dirty="0" err="1">
                           <a:latin typeface="Calibri" panose="020F0502020204030204" pitchFamily="34" charset="0"/>
                         </a:rPr>
                         <a:t>Usia</a:t>
                       </a:r>
                       <a:r>
-                        <a:rPr lang="en-US" sz="1400" baseline="0" dirty="0" smtClean="0">
-                          <a:latin typeface="Calibri" panose="020F0502020204030204" pitchFamily="34" charset="0"/>
-                        </a:rPr>
-                        <a:t> </a:t>
-                      </a:r>
-                      <a:r>
-                        <a:rPr lang="en-US" sz="1400" baseline="0" dirty="0" smtClean="0">
-                          <a:latin typeface="Calibri" panose="020F0502020204030204" pitchFamily="34" charset="0"/>
-                        </a:rPr>
-                        <a:t>15-24</a:t>
-                      </a:r>
-                      <a:endParaRPr lang="en-US" sz="1400" baseline="0" dirty="0" smtClean="0">
-                        <a:latin typeface="Calibri" panose="020F0502020204030204" pitchFamily="34" charset="0"/>
-                      </a:endParaRPr>
+                        <a:rPr lang="en-US" sz="1400" baseline="0" dirty="0">
+                          <a:latin typeface="Calibri" panose="020F0502020204030204" pitchFamily="34" charset="0"/>
+                        </a:rPr>
+                        <a:t> 15-24</a:t>
+                      </a:r>
                     </a:p>
                     <a:p>
                       <a:pPr marL="171450" indent="-171450">
@@ -5494,24 +5434,24 @@
                         <a:buChar char="-"/>
                       </a:pPr>
                       <a:r>
-                        <a:rPr lang="en-US" sz="1400" baseline="0" dirty="0" err="1" smtClean="0">
+                        <a:rPr lang="en-US" sz="1400" baseline="0" dirty="0" err="1">
                           <a:latin typeface="Calibri" panose="020F0502020204030204" pitchFamily="34" charset="0"/>
                         </a:rPr>
                         <a:t>Pelajar</a:t>
                       </a:r>
                       <a:r>
-                        <a:rPr lang="en-US" sz="1400" baseline="0" dirty="0" smtClean="0">
+                        <a:rPr lang="en-US" sz="1400" baseline="0" dirty="0">
                           <a:latin typeface="Calibri" panose="020F0502020204030204" pitchFamily="34" charset="0"/>
                         </a:rPr>
                         <a:t> / </a:t>
                       </a:r>
                       <a:r>
-                        <a:rPr lang="en-US" sz="1400" baseline="0" dirty="0" err="1" smtClean="0">
+                        <a:rPr lang="en-US" sz="1400" baseline="0" dirty="0" err="1">
                           <a:latin typeface="Calibri" panose="020F0502020204030204" pitchFamily="34" charset="0"/>
                         </a:rPr>
                         <a:t>Mahasiswa</a:t>
                       </a:r>
-                      <a:endParaRPr lang="en-US" sz="1400" baseline="0" dirty="0" smtClean="0">
+                      <a:endParaRPr lang="en-US" sz="1400" baseline="0" dirty="0">
                         <a:latin typeface="Calibri" panose="020F0502020204030204" pitchFamily="34" charset="0"/>
                       </a:endParaRPr>
                     </a:p>
@@ -5521,49 +5461,49 @@
                         <a:buChar char="-"/>
                       </a:pPr>
                       <a:r>
-                        <a:rPr lang="en-US" sz="1400" baseline="0" dirty="0" err="1" smtClean="0">
+                        <a:rPr lang="en-US" sz="1400" baseline="0" dirty="0" err="1">
                           <a:latin typeface="Calibri" panose="020F0502020204030204" pitchFamily="34" charset="0"/>
                         </a:rPr>
                         <a:t>Kurang</a:t>
                       </a:r>
                       <a:r>
-                        <a:rPr lang="en-US" sz="1400" baseline="0" dirty="0" smtClean="0">
+                        <a:rPr lang="en-US" sz="1400" baseline="0" dirty="0">
                           <a:latin typeface="Calibri" panose="020F0502020204030204" pitchFamily="34" charset="0"/>
                         </a:rPr>
                         <a:t> </a:t>
                       </a:r>
                       <a:r>
-                        <a:rPr lang="en-US" sz="1400" baseline="0" dirty="0" err="1" smtClean="0">
+                        <a:rPr lang="en-US" sz="1400" baseline="0" dirty="0" err="1">
                           <a:latin typeface="Calibri" panose="020F0502020204030204" pitchFamily="34" charset="0"/>
                         </a:rPr>
                         <a:t>menguasai</a:t>
                       </a:r>
                       <a:r>
-                        <a:rPr lang="en-US" sz="1400" baseline="0" dirty="0" smtClean="0">
+                        <a:rPr lang="en-US" sz="1400" baseline="0" dirty="0">
                           <a:latin typeface="Calibri" panose="020F0502020204030204" pitchFamily="34" charset="0"/>
                         </a:rPr>
                         <a:t> </a:t>
                       </a:r>
                       <a:r>
-                        <a:rPr lang="en-US" sz="1400" baseline="0" dirty="0" err="1" smtClean="0">
+                        <a:rPr lang="en-US" sz="1400" baseline="0" dirty="0" err="1">
                           <a:latin typeface="Calibri" panose="020F0502020204030204" pitchFamily="34" charset="0"/>
                         </a:rPr>
                         <a:t>bahasa</a:t>
                       </a:r>
                       <a:r>
-                        <a:rPr lang="en-US" sz="1400" baseline="0" dirty="0" smtClean="0">
+                        <a:rPr lang="en-US" sz="1400" baseline="0" dirty="0">
                           <a:latin typeface="Calibri" panose="020F0502020204030204" pitchFamily="34" charset="0"/>
                         </a:rPr>
                         <a:t> </a:t>
                       </a:r>
                       <a:r>
-                        <a:rPr lang="en-US" sz="1400" baseline="0" dirty="0" err="1" smtClean="0">
+                        <a:rPr lang="en-US" sz="1400" baseline="0" dirty="0" err="1">
                           <a:latin typeface="Calibri" panose="020F0502020204030204" pitchFamily="34" charset="0"/>
                         </a:rPr>
                         <a:t>Inggris</a:t>
                       </a:r>
                       <a:r>
-                        <a:rPr lang="en-US" sz="1400" baseline="0" dirty="0" smtClean="0">
+                        <a:rPr lang="en-US" sz="1400" baseline="0" dirty="0">
                           <a:latin typeface="Calibri" panose="020F0502020204030204" pitchFamily="34" charset="0"/>
                         </a:rPr>
                         <a:t>.</a:t>
@@ -5582,26 +5522,17 @@
                         <a:buChar char="-"/>
                       </a:pPr>
                       <a:r>
-                        <a:rPr lang="en-US" sz="1400" baseline="0" dirty="0" err="1" smtClean="0">
+                        <a:rPr lang="en-US" sz="1400" baseline="0" dirty="0" err="1">
                           <a:latin typeface="Calibri" panose="020F0502020204030204" pitchFamily="34" charset="0"/>
                         </a:rPr>
                         <a:t>Usia</a:t>
                       </a:r>
                       <a:r>
-                        <a:rPr lang="en-US" sz="1400" baseline="0" dirty="0" smtClean="0">
-                          <a:latin typeface="Calibri" panose="020F0502020204030204" pitchFamily="34" charset="0"/>
-                        </a:rPr>
-                        <a:t> </a:t>
-                      </a:r>
-                      <a:r>
-                        <a:rPr lang="en-US" sz="1400" baseline="0" dirty="0" smtClean="0">
-                          <a:latin typeface="Calibri" panose="020F0502020204030204" pitchFamily="34" charset="0"/>
-                        </a:rPr>
-                        <a:t>15-24</a:t>
-                      </a:r>
-                      <a:endParaRPr lang="en-US" sz="1400" baseline="0" dirty="0" smtClean="0">
-                        <a:latin typeface="Calibri" panose="020F0502020204030204" pitchFamily="34" charset="0"/>
-                      </a:endParaRPr>
+                        <a:rPr lang="en-US" sz="1400" baseline="0" dirty="0">
+                          <a:latin typeface="Calibri" panose="020F0502020204030204" pitchFamily="34" charset="0"/>
+                        </a:rPr>
+                        <a:t> 15-24</a:t>
+                      </a:r>
                     </a:p>
                     <a:p>
                       <a:pPr marL="171450" indent="-171450">
@@ -5609,24 +5540,24 @@
                         <a:buChar char="-"/>
                       </a:pPr>
                       <a:r>
-                        <a:rPr lang="en-US" sz="1400" baseline="0" dirty="0" err="1" smtClean="0">
+                        <a:rPr lang="en-US" sz="1400" baseline="0" dirty="0" err="1">
                           <a:latin typeface="Calibri" panose="020F0502020204030204" pitchFamily="34" charset="0"/>
                         </a:rPr>
                         <a:t>Pelajar</a:t>
                       </a:r>
                       <a:r>
-                        <a:rPr lang="en-US" sz="1400" baseline="0" dirty="0" smtClean="0">
+                        <a:rPr lang="en-US" sz="1400" baseline="0" dirty="0">
                           <a:latin typeface="Calibri" panose="020F0502020204030204" pitchFamily="34" charset="0"/>
                         </a:rPr>
                         <a:t> / </a:t>
                       </a:r>
                       <a:r>
-                        <a:rPr lang="en-US" sz="1400" baseline="0" dirty="0" err="1" smtClean="0">
+                        <a:rPr lang="en-US" sz="1400" baseline="0" dirty="0" err="1">
                           <a:latin typeface="Calibri" panose="020F0502020204030204" pitchFamily="34" charset="0"/>
                         </a:rPr>
                         <a:t>Mahasiswa</a:t>
                       </a:r>
-                      <a:endParaRPr lang="en-US" sz="1400" baseline="0" dirty="0" smtClean="0">
+                      <a:endParaRPr lang="en-US" sz="1400" baseline="0" dirty="0">
                         <a:latin typeface="Calibri" panose="020F0502020204030204" pitchFamily="34" charset="0"/>
                       </a:endParaRPr>
                     </a:p>
@@ -5636,49 +5567,49 @@
                         <a:buChar char="-"/>
                       </a:pPr>
                       <a:r>
-                        <a:rPr lang="en-US" sz="1400" baseline="0" dirty="0" err="1" smtClean="0">
+                        <a:rPr lang="en-US" sz="1400" baseline="0" dirty="0" err="1">
                           <a:latin typeface="Calibri" panose="020F0502020204030204" pitchFamily="34" charset="0"/>
                         </a:rPr>
                         <a:t>Kurang</a:t>
                       </a:r>
                       <a:r>
-                        <a:rPr lang="en-US" sz="1400" baseline="0" dirty="0" smtClean="0">
+                        <a:rPr lang="en-US" sz="1400" baseline="0" dirty="0">
                           <a:latin typeface="Calibri" panose="020F0502020204030204" pitchFamily="34" charset="0"/>
                         </a:rPr>
                         <a:t> </a:t>
                       </a:r>
                       <a:r>
-                        <a:rPr lang="en-US" sz="1400" baseline="0" dirty="0" err="1" smtClean="0">
+                        <a:rPr lang="en-US" sz="1400" baseline="0" dirty="0" err="1">
                           <a:latin typeface="Calibri" panose="020F0502020204030204" pitchFamily="34" charset="0"/>
                         </a:rPr>
                         <a:t>menguasai</a:t>
                       </a:r>
                       <a:r>
-                        <a:rPr lang="en-US" sz="1400" baseline="0" dirty="0" smtClean="0">
+                        <a:rPr lang="en-US" sz="1400" baseline="0" dirty="0">
                           <a:latin typeface="Calibri" panose="020F0502020204030204" pitchFamily="34" charset="0"/>
                         </a:rPr>
                         <a:t> </a:t>
                       </a:r>
                       <a:r>
-                        <a:rPr lang="en-US" sz="1400" baseline="0" dirty="0" err="1" smtClean="0">
+                        <a:rPr lang="en-US" sz="1400" baseline="0" dirty="0" err="1">
                           <a:latin typeface="Calibri" panose="020F0502020204030204" pitchFamily="34" charset="0"/>
                         </a:rPr>
                         <a:t>bahasa</a:t>
                       </a:r>
                       <a:r>
-                        <a:rPr lang="en-US" sz="1400" baseline="0" dirty="0" smtClean="0">
+                        <a:rPr lang="en-US" sz="1400" baseline="0" dirty="0">
                           <a:latin typeface="Calibri" panose="020F0502020204030204" pitchFamily="34" charset="0"/>
                         </a:rPr>
                         <a:t> </a:t>
                       </a:r>
                       <a:r>
-                        <a:rPr lang="en-US" sz="1400" baseline="0" dirty="0" err="1" smtClean="0">
+                        <a:rPr lang="en-US" sz="1400" baseline="0" dirty="0" err="1">
                           <a:latin typeface="Calibri" panose="020F0502020204030204" pitchFamily="34" charset="0"/>
                         </a:rPr>
                         <a:t>Inggris</a:t>
                       </a:r>
                       <a:r>
-                        <a:rPr lang="en-US" sz="1400" baseline="0" dirty="0" smtClean="0">
+                        <a:rPr lang="en-US" sz="1400" baseline="0" dirty="0">
                           <a:latin typeface="Calibri" panose="020F0502020204030204" pitchFamily="34" charset="0"/>
                         </a:rPr>
                         <a:t>.</a:t>
@@ -5692,6 +5623,11 @@
                   </a:txBody>
                   <a:tcPr/>
                 </a:tc>
+                <a:extLst>
+                  <a:ext uri="{0D108BD9-81ED-4DB2-BD59-A6C34878D82A}">
+                    <a16:rowId xmlns:a16="http://schemas.microsoft.com/office/drawing/2014/main" val="10001"/>
+                  </a:ext>
+                </a:extLst>
               </a:tr>
               <a:tr h="711069">
                 <a:tc>
@@ -5700,14 +5636,11 @@
                     <a:lstStyle/>
                     <a:p>
                       <a:r>
-                        <a:rPr lang="en-US" sz="1600" dirty="0" smtClean="0">
+                        <a:rPr lang="en-US" sz="1600" dirty="0">
                           <a:latin typeface="Calibri" panose="020F0502020204030204" pitchFamily="34" charset="0"/>
                         </a:rPr>
                         <a:t>Problem</a:t>
                       </a:r>
-                      <a:endParaRPr lang="en-US" sz="1600" dirty="0">
-                        <a:latin typeface="Calibri" panose="020F0502020204030204" pitchFamily="34" charset="0"/>
-                      </a:endParaRPr>
                     </a:p>
                   </a:txBody>
                   <a:tcPr/>
@@ -5718,91 +5651,91 @@
                     <a:lstStyle/>
                     <a:p>
                       <a:r>
-                        <a:rPr lang="en-US" sz="1400" dirty="0" smtClean="0">
+                        <a:rPr lang="en-US" sz="1400" dirty="0">
                           <a:latin typeface="Calibri" panose="020F0502020204030204" pitchFamily="34" charset="0"/>
                         </a:rPr>
                         <a:t>-</a:t>
                       </a:r>
                       <a:r>
-                        <a:rPr lang="en-US" sz="1400" baseline="0" dirty="0" smtClean="0">
+                        <a:rPr lang="en-US" sz="1400" baseline="0" dirty="0">
                           <a:latin typeface="Calibri" panose="020F0502020204030204" pitchFamily="34" charset="0"/>
                         </a:rPr>
                         <a:t> </a:t>
                       </a:r>
                       <a:r>
-                        <a:rPr lang="en-US" sz="1400" baseline="0" dirty="0" err="1" smtClean="0">
+                        <a:rPr lang="en-US" sz="1400" baseline="0" dirty="0" err="1">
                           <a:latin typeface="Calibri" panose="020F0502020204030204" pitchFamily="34" charset="0"/>
                         </a:rPr>
                         <a:t>Belum</a:t>
                       </a:r>
                       <a:r>
-                        <a:rPr lang="en-US" sz="1400" baseline="0" dirty="0" smtClean="0">
+                        <a:rPr lang="en-US" sz="1400" baseline="0" dirty="0">
                           <a:latin typeface="Calibri" panose="020F0502020204030204" pitchFamily="34" charset="0"/>
                         </a:rPr>
                         <a:t> </a:t>
                       </a:r>
                       <a:r>
-                        <a:rPr lang="en-US" sz="1400" baseline="0" dirty="0" err="1" smtClean="0">
+                        <a:rPr lang="en-US" sz="1400" baseline="0" dirty="0" err="1">
                           <a:latin typeface="Calibri" panose="020F0502020204030204" pitchFamily="34" charset="0"/>
                         </a:rPr>
                         <a:t>ada</a:t>
                       </a:r>
                       <a:r>
-                        <a:rPr lang="en-US" sz="1400" baseline="0" dirty="0" smtClean="0">
+                        <a:rPr lang="en-US" sz="1400" baseline="0" dirty="0">
                           <a:latin typeface="Calibri" panose="020F0502020204030204" pitchFamily="34" charset="0"/>
                         </a:rPr>
                         <a:t> </a:t>
                       </a:r>
                       <a:r>
-                        <a:rPr lang="en-US" sz="1400" baseline="0" dirty="0" err="1" smtClean="0">
+                        <a:rPr lang="en-US" sz="1400" baseline="0" dirty="0" err="1">
                           <a:latin typeface="Calibri" panose="020F0502020204030204" pitchFamily="34" charset="0"/>
                         </a:rPr>
                         <a:t>aplikasi</a:t>
                       </a:r>
                       <a:r>
-                        <a:rPr lang="en-US" sz="1400" baseline="0" dirty="0" smtClean="0">
+                        <a:rPr lang="en-US" sz="1400" baseline="0" dirty="0">
                           <a:latin typeface="Calibri" panose="020F0502020204030204" pitchFamily="34" charset="0"/>
                         </a:rPr>
                         <a:t> riddle </a:t>
                       </a:r>
                       <a:r>
-                        <a:rPr lang="en-US" sz="1400" baseline="0" dirty="0" err="1" smtClean="0">
+                        <a:rPr lang="en-US" sz="1400" baseline="0" dirty="0" err="1">
                           <a:latin typeface="Calibri" panose="020F0502020204030204" pitchFamily="34" charset="0"/>
                         </a:rPr>
                         <a:t>dengan</a:t>
                       </a:r>
                       <a:r>
-                        <a:rPr lang="en-US" sz="1400" baseline="0" dirty="0" smtClean="0">
+                        <a:rPr lang="en-US" sz="1400" baseline="0" dirty="0">
                           <a:latin typeface="Calibri" panose="020F0502020204030204" pitchFamily="34" charset="0"/>
                         </a:rPr>
                         <a:t> </a:t>
                       </a:r>
                       <a:r>
-                        <a:rPr lang="en-US" sz="1400" baseline="0" dirty="0" err="1" smtClean="0">
+                        <a:rPr lang="en-US" sz="1400" baseline="0" dirty="0" err="1">
                           <a:latin typeface="Calibri" panose="020F0502020204030204" pitchFamily="34" charset="0"/>
                         </a:rPr>
                         <a:t>menggunakan</a:t>
                       </a:r>
                       <a:r>
-                        <a:rPr lang="en-US" sz="1400" baseline="0" dirty="0" smtClean="0">
+                        <a:rPr lang="en-US" sz="1400" baseline="0" dirty="0">
                           <a:latin typeface="Calibri" panose="020F0502020204030204" pitchFamily="34" charset="0"/>
                         </a:rPr>
                         <a:t> </a:t>
                       </a:r>
                       <a:r>
-                        <a:rPr lang="en-US" sz="1400" baseline="0" dirty="0" err="1" smtClean="0">
+                        <a:rPr lang="en-US" sz="1400" baseline="0" dirty="0" err="1">
                           <a:latin typeface="Calibri" panose="020F0502020204030204" pitchFamily="34" charset="0"/>
                         </a:rPr>
                         <a:t>bahasa</a:t>
                       </a:r>
                       <a:r>
-                        <a:rPr lang="en-US" sz="1400" baseline="0" dirty="0" smtClean="0">
+                        <a:rPr lang="en-US" sz="1400" baseline="0" dirty="0">
                           <a:latin typeface="Calibri" panose="020F0502020204030204" pitchFamily="34" charset="0"/>
                         </a:rPr>
                         <a:t> </a:t>
                       </a:r>
                       <a:r>
-                        <a:rPr lang="en-US" sz="1400" baseline="0" dirty="0" err="1" smtClean="0">
+                        <a:rPr lang="en-US" sz="1400" baseline="0" dirty="0" err="1">
                           <a:latin typeface="Calibri" panose="020F0502020204030204" pitchFamily="34" charset="0"/>
                         </a:rPr>
                         <a:t>indonesia</a:t>
@@ -5837,107 +5770,112 @@
                         <a:defRPr/>
                       </a:pPr>
                       <a:r>
-                        <a:rPr lang="en-US" sz="1400" dirty="0" smtClean="0">
+                        <a:rPr lang="en-US" sz="1400" dirty="0">
                           <a:latin typeface="Calibri" panose="020F0502020204030204" pitchFamily="34" charset="0"/>
                         </a:rPr>
                         <a:t>-</a:t>
                       </a:r>
                       <a:r>
-                        <a:rPr lang="en-US" sz="1400" baseline="0" dirty="0" smtClean="0">
+                        <a:rPr lang="en-US" sz="1400" baseline="0" dirty="0">
                           <a:latin typeface="Calibri" panose="020F0502020204030204" pitchFamily="34" charset="0"/>
                         </a:rPr>
                         <a:t> </a:t>
                       </a:r>
                       <a:r>
-                        <a:rPr lang="en-US" sz="1400" baseline="0" dirty="0" err="1" smtClean="0">
+                        <a:rPr lang="en-US" sz="1400" baseline="0" dirty="0" err="1">
                           <a:latin typeface="Calibri" panose="020F0502020204030204" pitchFamily="34" charset="0"/>
                         </a:rPr>
                         <a:t>Belum</a:t>
                       </a:r>
                       <a:r>
-                        <a:rPr lang="en-US" sz="1400" baseline="0" dirty="0" smtClean="0">
+                        <a:rPr lang="en-US" sz="1400" baseline="0" dirty="0">
                           <a:latin typeface="Calibri" panose="020F0502020204030204" pitchFamily="34" charset="0"/>
                         </a:rPr>
                         <a:t> </a:t>
                       </a:r>
                       <a:r>
-                        <a:rPr lang="en-US" sz="1400" baseline="0" dirty="0" err="1" smtClean="0">
+                        <a:rPr lang="en-US" sz="1400" baseline="0" dirty="0" err="1">
                           <a:latin typeface="Calibri" panose="020F0502020204030204" pitchFamily="34" charset="0"/>
                         </a:rPr>
                         <a:t>ada</a:t>
                       </a:r>
                       <a:r>
-                        <a:rPr lang="en-US" sz="1400" baseline="0" dirty="0" smtClean="0">
+                        <a:rPr lang="en-US" sz="1400" baseline="0" dirty="0">
                           <a:latin typeface="Calibri" panose="020F0502020204030204" pitchFamily="34" charset="0"/>
                         </a:rPr>
                         <a:t> </a:t>
                       </a:r>
                       <a:r>
-                        <a:rPr lang="en-US" sz="1400" baseline="0" dirty="0" err="1" smtClean="0">
+                        <a:rPr lang="en-US" sz="1400" baseline="0" dirty="0" err="1">
                           <a:latin typeface="Calibri" panose="020F0502020204030204" pitchFamily="34" charset="0"/>
                         </a:rPr>
                         <a:t>aplikasi</a:t>
                       </a:r>
                       <a:r>
-                        <a:rPr lang="en-US" sz="1400" baseline="0" dirty="0" smtClean="0">
+                        <a:rPr lang="en-US" sz="1400" baseline="0" dirty="0">
                           <a:latin typeface="Calibri" panose="020F0502020204030204" pitchFamily="34" charset="0"/>
                         </a:rPr>
                         <a:t> riddle </a:t>
                       </a:r>
                       <a:r>
-                        <a:rPr lang="en-US" sz="1400" baseline="0" dirty="0" err="1" smtClean="0">
+                        <a:rPr lang="en-US" sz="1400" baseline="0" dirty="0" err="1">
                           <a:latin typeface="Calibri" panose="020F0502020204030204" pitchFamily="34" charset="0"/>
                         </a:rPr>
                         <a:t>dengan</a:t>
                       </a:r>
                       <a:r>
-                        <a:rPr lang="en-US" sz="1400" baseline="0" dirty="0" smtClean="0">
+                        <a:rPr lang="en-US" sz="1400" baseline="0" dirty="0">
                           <a:latin typeface="Calibri" panose="020F0502020204030204" pitchFamily="34" charset="0"/>
                         </a:rPr>
                         <a:t> </a:t>
                       </a:r>
                       <a:r>
-                        <a:rPr lang="en-US" sz="1400" baseline="0" dirty="0" err="1" smtClean="0">
+                        <a:rPr lang="en-US" sz="1400" baseline="0" dirty="0" err="1">
                           <a:latin typeface="Calibri" panose="020F0502020204030204" pitchFamily="34" charset="0"/>
                         </a:rPr>
                         <a:t>menggunakan</a:t>
                       </a:r>
                       <a:r>
-                        <a:rPr lang="en-US" sz="1400" baseline="0" dirty="0" smtClean="0">
+                        <a:rPr lang="en-US" sz="1400" baseline="0" dirty="0">
                           <a:latin typeface="Calibri" panose="020F0502020204030204" pitchFamily="34" charset="0"/>
                         </a:rPr>
                         <a:t> </a:t>
                       </a:r>
                       <a:r>
-                        <a:rPr lang="en-US" sz="1400" baseline="0" dirty="0" err="1" smtClean="0">
+                        <a:rPr lang="en-US" sz="1400" baseline="0" dirty="0" err="1">
                           <a:latin typeface="Calibri" panose="020F0502020204030204" pitchFamily="34" charset="0"/>
                         </a:rPr>
                         <a:t>bahasa</a:t>
                       </a:r>
                       <a:r>
-                        <a:rPr lang="en-US" sz="1400" baseline="0" dirty="0" smtClean="0">
+                        <a:rPr lang="en-US" sz="1400" baseline="0" dirty="0">
                           <a:latin typeface="Calibri" panose="020F0502020204030204" pitchFamily="34" charset="0"/>
                         </a:rPr>
                         <a:t> </a:t>
                       </a:r>
                       <a:r>
-                        <a:rPr lang="en-US" sz="1400" baseline="0" dirty="0" err="1" smtClean="0">
+                        <a:rPr lang="en-US" sz="1400" baseline="0" dirty="0" err="1">
                           <a:latin typeface="Calibri" panose="020F0502020204030204" pitchFamily="34" charset="0"/>
                         </a:rPr>
                         <a:t>indonesia</a:t>
                       </a:r>
-                      <a:endParaRPr lang="en-US" sz="1400" dirty="0" smtClean="0">
-                        <a:latin typeface="Calibri" panose="020F0502020204030204" pitchFamily="34" charset="0"/>
-                      </a:endParaRPr>
-                    </a:p>
-                    <a:p>
                       <a:endParaRPr lang="en-US" sz="1400" dirty="0">
                         <a:latin typeface="Calibri" panose="020F0502020204030204" pitchFamily="34" charset="0"/>
                       </a:endParaRPr>
                     </a:p>
+                    <a:p>
+                      <a:endParaRPr lang="en-US" sz="1400" dirty="0">
+                        <a:latin typeface="Calibri" panose="020F0502020204030204" pitchFamily="34" charset="0"/>
+                      </a:endParaRPr>
+                    </a:p>
                   </a:txBody>
                   <a:tcPr/>
                 </a:tc>
+                <a:extLst>
+                  <a:ext uri="{0D108BD9-81ED-4DB2-BD59-A6C34878D82A}">
+                    <a16:rowId xmlns:a16="http://schemas.microsoft.com/office/drawing/2014/main" val="10002"/>
+                  </a:ext>
+                </a:extLst>
               </a:tr>
               <a:tr h="540120">
                 <a:tc>
@@ -5946,14 +5884,11 @@
                     <a:lstStyle/>
                     <a:p>
                       <a:r>
-                        <a:rPr lang="en-US" sz="1600" dirty="0" smtClean="0">
+                        <a:rPr lang="en-US" sz="1600" dirty="0">
                           <a:latin typeface="Calibri" panose="020F0502020204030204" pitchFamily="34" charset="0"/>
                         </a:rPr>
                         <a:t>Solution</a:t>
                       </a:r>
-                      <a:endParaRPr lang="en-US" sz="1600" dirty="0">
-                        <a:latin typeface="Calibri" panose="020F0502020204030204" pitchFamily="34" charset="0"/>
-                      </a:endParaRPr>
                     </a:p>
                   </a:txBody>
                   <a:tcPr/>
@@ -5976,67 +5911,67 @@
                     <a:lstStyle/>
                     <a:p>
                       <a:r>
-                        <a:rPr lang="en-US" sz="1400" dirty="0" smtClean="0">
+                        <a:rPr lang="en-US" sz="1400" dirty="0">
                           <a:latin typeface="Calibri" panose="020F0502020204030204" pitchFamily="34" charset="0"/>
                         </a:rPr>
                         <a:t>- </a:t>
                       </a:r>
                       <a:r>
-                        <a:rPr lang="en-US" sz="1400" dirty="0" err="1" smtClean="0">
+                        <a:rPr lang="en-US" sz="1400" dirty="0" err="1">
                           <a:latin typeface="Calibri" panose="020F0502020204030204" pitchFamily="34" charset="0"/>
                         </a:rPr>
                         <a:t>Membuat</a:t>
                       </a:r>
                       <a:r>
-                        <a:rPr lang="en-US" sz="1400" dirty="0" smtClean="0">
+                        <a:rPr lang="en-US" sz="1400" dirty="0">
                           <a:latin typeface="Calibri" panose="020F0502020204030204" pitchFamily="34" charset="0"/>
                         </a:rPr>
                         <a:t> game riddle </a:t>
                       </a:r>
                       <a:r>
-                        <a:rPr lang="en-US" sz="1400" dirty="0" err="1" smtClean="0">
+                        <a:rPr lang="en-US" sz="1400" dirty="0" err="1">
                           <a:latin typeface="Calibri" panose="020F0502020204030204" pitchFamily="34" charset="0"/>
                         </a:rPr>
                         <a:t>dengan</a:t>
                       </a:r>
                       <a:r>
-                        <a:rPr lang="en-US" sz="1400" baseline="0" dirty="0" smtClean="0">
+                        <a:rPr lang="en-US" sz="1400" baseline="0" dirty="0">
                           <a:latin typeface="Calibri" panose="020F0502020204030204" pitchFamily="34" charset="0"/>
                         </a:rPr>
                         <a:t> </a:t>
                       </a:r>
                       <a:r>
-                        <a:rPr lang="en-US" sz="1400" baseline="0" dirty="0" err="1" smtClean="0">
+                        <a:rPr lang="en-US" sz="1400" baseline="0" dirty="0" err="1">
                           <a:latin typeface="Calibri" panose="020F0502020204030204" pitchFamily="34" charset="0"/>
                         </a:rPr>
                         <a:t>versi</a:t>
                       </a:r>
                       <a:r>
-                        <a:rPr lang="en-US" sz="1400" baseline="0" dirty="0" smtClean="0">
+                        <a:rPr lang="en-US" sz="1400" baseline="0" dirty="0">
                           <a:latin typeface="Calibri" panose="020F0502020204030204" pitchFamily="34" charset="0"/>
                         </a:rPr>
                         <a:t> </a:t>
                       </a:r>
                       <a:r>
-                        <a:rPr lang="en-US" sz="1400" baseline="0" dirty="0" err="1" smtClean="0">
+                        <a:rPr lang="en-US" sz="1400" baseline="0" dirty="0" err="1">
                           <a:latin typeface="Calibri" panose="020F0502020204030204" pitchFamily="34" charset="0"/>
                         </a:rPr>
                         <a:t>bahasa</a:t>
                       </a:r>
                       <a:r>
-                        <a:rPr lang="en-US" sz="1400" baseline="0" dirty="0" smtClean="0">
+                        <a:rPr lang="en-US" sz="1400" baseline="0" dirty="0">
                           <a:latin typeface="Calibri" panose="020F0502020204030204" pitchFamily="34" charset="0"/>
                         </a:rPr>
                         <a:t> Indonesia </a:t>
                       </a:r>
                       <a:r>
-                        <a:rPr lang="en-US" sz="1400" baseline="0" dirty="0" err="1" smtClean="0">
+                        <a:rPr lang="en-US" sz="1400" baseline="0" dirty="0" err="1">
                           <a:latin typeface="Calibri" panose="020F0502020204030204" pitchFamily="34" charset="0"/>
                         </a:rPr>
                         <a:t>pada</a:t>
                       </a:r>
                       <a:r>
-                        <a:rPr lang="en-US" sz="1400" baseline="0" dirty="0" smtClean="0">
+                        <a:rPr lang="en-US" sz="1400" baseline="0" dirty="0">
                           <a:latin typeface="Calibri" panose="020F0502020204030204" pitchFamily="34" charset="0"/>
                         </a:rPr>
                         <a:t> device android / IOS</a:t>
@@ -6048,6 +5983,11 @@
                   </a:txBody>
                   <a:tcPr/>
                 </a:tc>
+                <a:extLst>
+                  <a:ext uri="{0D108BD9-81ED-4DB2-BD59-A6C34878D82A}">
+                    <a16:rowId xmlns:a16="http://schemas.microsoft.com/office/drawing/2014/main" val="10003"/>
+                  </a:ext>
+                </a:extLst>
               </a:tr>
               <a:tr h="812650">
                 <a:tc>
@@ -6056,14 +5996,11 @@
                     <a:lstStyle/>
                     <a:p>
                       <a:r>
-                        <a:rPr lang="en-US" sz="1600" dirty="0" smtClean="0">
+                        <a:rPr lang="en-US" sz="1600" dirty="0">
                           <a:latin typeface="Calibri" panose="020F0502020204030204" pitchFamily="34" charset="0"/>
                         </a:rPr>
                         <a:t>Riskiest Assumption</a:t>
                       </a:r>
-                      <a:endParaRPr lang="en-US" sz="1600" dirty="0">
-                        <a:latin typeface="Calibri" panose="020F0502020204030204" pitchFamily="34" charset="0"/>
-                      </a:endParaRPr>
                     </a:p>
                   </a:txBody>
                   <a:tcPr/>
@@ -6074,73 +6011,73 @@
                     <a:lstStyle/>
                     <a:p>
                       <a:r>
-                        <a:rPr lang="en-US" sz="1400" dirty="0" smtClean="0">
+                        <a:rPr lang="en-US" sz="1400" dirty="0">
                           <a:latin typeface="Calibri" panose="020F0502020204030204" pitchFamily="34" charset="0"/>
                         </a:rPr>
                         <a:t>-</a:t>
                       </a:r>
                       <a:r>
-                        <a:rPr lang="en-US" sz="1400" baseline="0" dirty="0" smtClean="0">
+                        <a:rPr lang="en-US" sz="1400" baseline="0" dirty="0">
                           <a:latin typeface="Calibri" panose="020F0502020204030204" pitchFamily="34" charset="0"/>
                         </a:rPr>
                         <a:t> </a:t>
                       </a:r>
                       <a:r>
-                        <a:rPr lang="en-US" sz="1400" baseline="0" dirty="0" err="1" smtClean="0">
+                        <a:rPr lang="en-US" sz="1400" baseline="0" dirty="0" err="1">
                           <a:latin typeface="Calibri" panose="020F0502020204030204" pitchFamily="34" charset="0"/>
                         </a:rPr>
                         <a:t>Aplikasi</a:t>
                       </a:r>
                       <a:r>
-                        <a:rPr lang="en-US" sz="1400" baseline="0" dirty="0" smtClean="0">
+                        <a:rPr lang="en-US" sz="1400" baseline="0" dirty="0">
                           <a:latin typeface="Calibri" panose="020F0502020204030204" pitchFamily="34" charset="0"/>
                         </a:rPr>
                         <a:t> riddle yang </a:t>
                       </a:r>
                       <a:r>
-                        <a:rPr lang="en-US" sz="1400" baseline="0" dirty="0" err="1" smtClean="0">
+                        <a:rPr lang="en-US" sz="1400" baseline="0" dirty="0" err="1">
                           <a:latin typeface="Calibri" panose="020F0502020204030204" pitchFamily="34" charset="0"/>
                         </a:rPr>
                         <a:t>menggunakan</a:t>
                       </a:r>
                       <a:r>
-                        <a:rPr lang="en-US" sz="1400" baseline="0" dirty="0" smtClean="0">
+                        <a:rPr lang="en-US" sz="1400" baseline="0" dirty="0">
                           <a:latin typeface="Calibri" panose="020F0502020204030204" pitchFamily="34" charset="0"/>
                         </a:rPr>
                         <a:t> </a:t>
                       </a:r>
                       <a:r>
-                        <a:rPr lang="en-US" sz="1400" baseline="0" dirty="0" err="1" smtClean="0">
+                        <a:rPr lang="en-US" sz="1400" baseline="0" dirty="0" err="1">
                           <a:latin typeface="Calibri" panose="020F0502020204030204" pitchFamily="34" charset="0"/>
                         </a:rPr>
                         <a:t>bahasa</a:t>
                       </a:r>
                       <a:r>
-                        <a:rPr lang="en-US" sz="1400" baseline="0" dirty="0" smtClean="0">
+                        <a:rPr lang="en-US" sz="1400" baseline="0" dirty="0">
                           <a:latin typeface="Calibri" panose="020F0502020204030204" pitchFamily="34" charset="0"/>
                         </a:rPr>
                         <a:t> Indonesia </a:t>
                       </a:r>
                       <a:r>
-                        <a:rPr lang="en-US" sz="1400" baseline="0" dirty="0" err="1" smtClean="0">
+                        <a:rPr lang="en-US" sz="1400" baseline="0" dirty="0" err="1">
                           <a:latin typeface="Calibri" panose="020F0502020204030204" pitchFamily="34" charset="0"/>
                         </a:rPr>
                         <a:t>lebih</a:t>
                       </a:r>
                       <a:r>
-                        <a:rPr lang="en-US" sz="1400" baseline="0" dirty="0" smtClean="0">
+                        <a:rPr lang="en-US" sz="1400" baseline="0" dirty="0">
                           <a:latin typeface="Calibri" panose="020F0502020204030204" pitchFamily="34" charset="0"/>
                         </a:rPr>
                         <a:t> </a:t>
                       </a:r>
                       <a:r>
-                        <a:rPr lang="en-US" sz="1400" baseline="0" dirty="0" err="1" smtClean="0">
+                        <a:rPr lang="en-US" sz="1400" baseline="0" dirty="0" err="1">
                           <a:latin typeface="Calibri" panose="020F0502020204030204" pitchFamily="34" charset="0"/>
                         </a:rPr>
                         <a:t>memudahkan</a:t>
                       </a:r>
                       <a:r>
-                        <a:rPr lang="en-US" sz="1400" baseline="0" dirty="0" smtClean="0">
+                        <a:rPr lang="en-US" sz="1400" baseline="0" dirty="0">
                           <a:latin typeface="Calibri" panose="020F0502020204030204" pitchFamily="34" charset="0"/>
                         </a:rPr>
                         <a:t> user.</a:t>
@@ -6158,49 +6095,49 @@
                     <a:lstStyle/>
                     <a:p>
                       <a:r>
-                        <a:rPr lang="en-US" sz="1400" dirty="0" smtClean="0">
+                        <a:rPr lang="en-US" sz="1400" dirty="0">
                           <a:latin typeface="Calibri" panose="020F0502020204030204" pitchFamily="34" charset="0"/>
                         </a:rPr>
                         <a:t>-</a:t>
                       </a:r>
                       <a:r>
-                        <a:rPr lang="en-US" sz="1400" baseline="0" dirty="0" smtClean="0">
+                        <a:rPr lang="en-US" sz="1400" baseline="0" dirty="0">
                           <a:latin typeface="Calibri" panose="020F0502020204030204" pitchFamily="34" charset="0"/>
                         </a:rPr>
                         <a:t> </a:t>
                       </a:r>
                       <a:r>
-                        <a:rPr lang="en-US" sz="1400" baseline="0" dirty="0" err="1" smtClean="0">
+                        <a:rPr lang="en-US" sz="1400" baseline="0" dirty="0" err="1">
                           <a:latin typeface="Calibri" panose="020F0502020204030204" pitchFamily="34" charset="0"/>
                         </a:rPr>
                         <a:t>Banyak</a:t>
                       </a:r>
                       <a:r>
-                        <a:rPr lang="en-US" sz="1400" baseline="0" dirty="0" smtClean="0">
+                        <a:rPr lang="en-US" sz="1400" baseline="0" dirty="0">
                           <a:latin typeface="Calibri" panose="020F0502020204030204" pitchFamily="34" charset="0"/>
                         </a:rPr>
                         <a:t> orang yang </a:t>
                       </a:r>
                       <a:r>
-                        <a:rPr lang="en-US" sz="1400" baseline="0" dirty="0" err="1" smtClean="0">
+                        <a:rPr lang="en-US" sz="1400" baseline="0" dirty="0" err="1">
                           <a:latin typeface="Calibri" panose="020F0502020204030204" pitchFamily="34" charset="0"/>
                         </a:rPr>
                         <a:t>belum</a:t>
                       </a:r>
                       <a:r>
-                        <a:rPr lang="en-US" sz="1400" baseline="0" dirty="0" smtClean="0">
+                        <a:rPr lang="en-US" sz="1400" baseline="0" dirty="0">
                           <a:latin typeface="Calibri" panose="020F0502020204030204" pitchFamily="34" charset="0"/>
                         </a:rPr>
                         <a:t> </a:t>
                       </a:r>
                       <a:r>
-                        <a:rPr lang="en-US" sz="1400" baseline="0" dirty="0" err="1" smtClean="0">
+                        <a:rPr lang="en-US" sz="1400" baseline="0" dirty="0" err="1">
                           <a:latin typeface="Calibri" panose="020F0502020204030204" pitchFamily="34" charset="0"/>
                         </a:rPr>
                         <a:t>mengetahui</a:t>
                       </a:r>
                       <a:r>
-                        <a:rPr lang="en-US" sz="1400" baseline="0" dirty="0" smtClean="0">
+                        <a:rPr lang="en-US" sz="1400" baseline="0" dirty="0">
                           <a:latin typeface="Calibri" panose="020F0502020204030204" pitchFamily="34" charset="0"/>
                         </a:rPr>
                         <a:t> game riddle.</a:t>
@@ -6212,6 +6149,11 @@
                   </a:txBody>
                   <a:tcPr/>
                 </a:tc>
+                <a:extLst>
+                  <a:ext uri="{0D108BD9-81ED-4DB2-BD59-A6C34878D82A}">
+                    <a16:rowId xmlns:a16="http://schemas.microsoft.com/office/drawing/2014/main" val="10004"/>
+                  </a:ext>
+                </a:extLst>
               </a:tr>
               <a:tr h="711069">
                 <a:tc>
@@ -6220,13 +6162,13 @@
                     <a:lstStyle/>
                     <a:p>
                       <a:r>
-                        <a:rPr lang="en-US" sz="1600" dirty="0" smtClean="0">
+                        <a:rPr lang="en-US" sz="1600" dirty="0">
                           <a:latin typeface="Calibri" panose="020F0502020204030204" pitchFamily="34" charset="0"/>
                         </a:rPr>
                         <a:t>Method &amp;</a:t>
                       </a:r>
                       <a:r>
-                        <a:rPr lang="en-US" sz="1600" baseline="0" dirty="0" smtClean="0">
+                        <a:rPr lang="en-US" sz="1600" baseline="0" dirty="0">
                           <a:latin typeface="Calibri" panose="020F0502020204030204" pitchFamily="34" charset="0"/>
                         </a:rPr>
                         <a:t> Success Criterion</a:t>
@@ -6248,7 +6190,7 @@
                         <a:buChar char="-"/>
                       </a:pPr>
                       <a:r>
-                        <a:rPr lang="en-US" sz="1400" dirty="0" smtClean="0">
+                        <a:rPr lang="en-US" sz="1400" dirty="0">
                           <a:latin typeface="Calibri" panose="020F0502020204030204" pitchFamily="34" charset="0"/>
                         </a:rPr>
                         <a:t>Interview : 6/10</a:t>
@@ -6260,13 +6202,13 @@
                         <a:buChar char="-"/>
                       </a:pPr>
                       <a:r>
-                        <a:rPr lang="en-US" sz="1400" dirty="0" smtClean="0">
+                        <a:rPr lang="en-US" sz="1400" dirty="0">
                           <a:latin typeface="Calibri" panose="020F0502020204030204" pitchFamily="34" charset="0"/>
                         </a:rPr>
                         <a:t>Interview</a:t>
                       </a:r>
                       <a:r>
-                        <a:rPr lang="en-US" sz="1400" baseline="0" dirty="0" smtClean="0">
+                        <a:rPr lang="en-US" sz="1400" baseline="0" dirty="0">
                           <a:latin typeface="Calibri" panose="020F0502020204030204" pitchFamily="34" charset="0"/>
                         </a:rPr>
                         <a:t> : 60%</a:t>
@@ -6288,7 +6230,7 @@
                         <a:buChar char="-"/>
                       </a:pPr>
                       <a:r>
-                        <a:rPr lang="en-US" sz="1400" dirty="0" smtClean="0">
+                        <a:rPr lang="en-US" sz="1400" dirty="0">
                           <a:latin typeface="Calibri" panose="020F0502020204030204" pitchFamily="34" charset="0"/>
                         </a:rPr>
                         <a:t>Interview : 6/10</a:t>
@@ -6300,29 +6242,34 @@
                         <a:buChar char="-"/>
                       </a:pPr>
                       <a:r>
-                        <a:rPr lang="en-US" sz="1400" dirty="0" smtClean="0">
+                        <a:rPr lang="en-US" sz="1400" dirty="0">
                           <a:latin typeface="Calibri" panose="020F0502020204030204" pitchFamily="34" charset="0"/>
                         </a:rPr>
                         <a:t>Interview</a:t>
                       </a:r>
                       <a:r>
-                        <a:rPr lang="en-US" sz="1400" baseline="0" dirty="0" smtClean="0">
+                        <a:rPr lang="en-US" sz="1400" baseline="0" dirty="0">
                           <a:latin typeface="Calibri" panose="020F0502020204030204" pitchFamily="34" charset="0"/>
                         </a:rPr>
                         <a:t> : 60%</a:t>
                       </a:r>
-                      <a:endParaRPr lang="en-US" sz="1400" dirty="0" smtClean="0">
-                        <a:latin typeface="Calibri" panose="020F0502020204030204" pitchFamily="34" charset="0"/>
-                      </a:endParaRPr>
-                    </a:p>
-                    <a:p>
                       <a:endParaRPr lang="en-US" sz="1400" dirty="0">
                         <a:latin typeface="Calibri" panose="020F0502020204030204" pitchFamily="34" charset="0"/>
                       </a:endParaRPr>
                     </a:p>
+                    <a:p>
+                      <a:endParaRPr lang="en-US" sz="1400" dirty="0">
+                        <a:latin typeface="Calibri" panose="020F0502020204030204" pitchFamily="34" charset="0"/>
+                      </a:endParaRPr>
+                    </a:p>
                   </a:txBody>
                   <a:tcPr/>
                 </a:tc>
+                <a:extLst>
+                  <a:ext uri="{0D108BD9-81ED-4DB2-BD59-A6C34878D82A}">
+                    <a16:rowId xmlns:a16="http://schemas.microsoft.com/office/drawing/2014/main" val="10005"/>
+                  </a:ext>
+                </a:extLst>
               </a:tr>
               <a:tr h="530088">
                 <a:tc>
@@ -6331,14 +6278,11 @@
                     <a:lstStyle/>
                     <a:p>
                       <a:r>
-                        <a:rPr lang="en-US" sz="1600" dirty="0" smtClean="0">
+                        <a:rPr lang="en-US" sz="1600" dirty="0">
                           <a:latin typeface="Calibri" panose="020F0502020204030204" pitchFamily="34" charset="0"/>
                         </a:rPr>
                         <a:t>Result &amp; Decision</a:t>
                       </a:r>
-                      <a:endParaRPr lang="en-US" sz="1600" dirty="0">
-                        <a:latin typeface="Calibri" panose="020F0502020204030204" pitchFamily="34" charset="0"/>
-                      </a:endParaRPr>
                     </a:p>
                   </a:txBody>
                   <a:tcPr/>
@@ -6349,91 +6293,91 @@
                     <a:lstStyle/>
                     <a:p>
                       <a:r>
-                        <a:rPr lang="en-US" sz="1400" dirty="0" smtClean="0">
+                        <a:rPr lang="en-US" sz="1400" dirty="0">
                           <a:latin typeface="Calibri" panose="020F0502020204030204" pitchFamily="34" charset="0"/>
                         </a:rPr>
                         <a:t>-</a:t>
                       </a:r>
                       <a:r>
-                        <a:rPr lang="en-US" sz="1400" baseline="0" dirty="0" smtClean="0">
+                        <a:rPr lang="en-US" sz="1400" baseline="0" dirty="0">
                           <a:latin typeface="Calibri" panose="020F0502020204030204" pitchFamily="34" charset="0"/>
                         </a:rPr>
                         <a:t> 11/12 user </a:t>
                       </a:r>
                       <a:r>
-                        <a:rPr lang="en-US" sz="1400" baseline="0" dirty="0" err="1" smtClean="0">
+                        <a:rPr lang="en-US" sz="1400" baseline="0" dirty="0" err="1">
                           <a:latin typeface="Calibri" panose="020F0502020204030204" pitchFamily="34" charset="0"/>
                         </a:rPr>
                         <a:t>setuju</a:t>
                       </a:r>
                       <a:r>
-                        <a:rPr lang="en-US" sz="1400" baseline="0" dirty="0" smtClean="0">
+                        <a:rPr lang="en-US" sz="1400" baseline="0" dirty="0">
                           <a:latin typeface="Calibri" panose="020F0502020204030204" pitchFamily="34" charset="0"/>
                         </a:rPr>
                         <a:t> </a:t>
                       </a:r>
                       <a:r>
-                        <a:rPr lang="en-US" sz="1400" baseline="0" dirty="0" err="1" smtClean="0">
+                        <a:rPr lang="en-US" sz="1400" baseline="0" dirty="0" err="1">
                           <a:latin typeface="Calibri" panose="020F0502020204030204" pitchFamily="34" charset="0"/>
                         </a:rPr>
                         <a:t>aplikasi</a:t>
                       </a:r>
                       <a:r>
-                        <a:rPr lang="en-US" sz="1400" baseline="0" dirty="0" smtClean="0">
+                        <a:rPr lang="en-US" sz="1400" baseline="0" dirty="0">
                           <a:latin typeface="Calibri" panose="020F0502020204030204" pitchFamily="34" charset="0"/>
                         </a:rPr>
                         <a:t> </a:t>
                       </a:r>
                       <a:r>
-                        <a:rPr lang="en-US" sz="1400" baseline="0" dirty="0" err="1" smtClean="0">
+                        <a:rPr lang="en-US" sz="1400" baseline="0" dirty="0" err="1">
                           <a:latin typeface="Calibri" panose="020F0502020204030204" pitchFamily="34" charset="0"/>
                         </a:rPr>
                         <a:t>dengan</a:t>
                       </a:r>
                       <a:r>
-                        <a:rPr lang="en-US" sz="1400" baseline="0" dirty="0" smtClean="0">
+                        <a:rPr lang="en-US" sz="1400" baseline="0" dirty="0">
                           <a:latin typeface="Calibri" panose="020F0502020204030204" pitchFamily="34" charset="0"/>
                         </a:rPr>
                         <a:t> </a:t>
                       </a:r>
                       <a:r>
-                        <a:rPr lang="en-US" sz="1400" baseline="0" dirty="0" err="1" smtClean="0">
+                        <a:rPr lang="en-US" sz="1400" baseline="0" dirty="0" err="1">
                           <a:latin typeface="Calibri" panose="020F0502020204030204" pitchFamily="34" charset="0"/>
                         </a:rPr>
                         <a:t>bahasa</a:t>
                       </a:r>
                       <a:r>
-                        <a:rPr lang="en-US" sz="1400" baseline="0" dirty="0" smtClean="0">
+                        <a:rPr lang="en-US" sz="1400" baseline="0" dirty="0">
                           <a:latin typeface="Calibri" panose="020F0502020204030204" pitchFamily="34" charset="0"/>
                         </a:rPr>
                         <a:t> Indonesia </a:t>
                       </a:r>
                       <a:r>
-                        <a:rPr lang="en-US" sz="1400" baseline="0" dirty="0" err="1" smtClean="0">
+                        <a:rPr lang="en-US" sz="1400" baseline="0" dirty="0" err="1">
                           <a:latin typeface="Calibri" panose="020F0502020204030204" pitchFamily="34" charset="0"/>
                         </a:rPr>
                         <a:t>akan</a:t>
                       </a:r>
                       <a:r>
-                        <a:rPr lang="en-US" sz="1400" baseline="0" dirty="0" smtClean="0">
+                        <a:rPr lang="en-US" sz="1400" baseline="0" dirty="0">
                           <a:latin typeface="Calibri" panose="020F0502020204030204" pitchFamily="34" charset="0"/>
                         </a:rPr>
                         <a:t> </a:t>
                       </a:r>
                       <a:r>
-                        <a:rPr lang="en-US" sz="1400" baseline="0" dirty="0" err="1" smtClean="0">
+                        <a:rPr lang="en-US" sz="1400" baseline="0" dirty="0" err="1">
                           <a:latin typeface="Calibri" panose="020F0502020204030204" pitchFamily="34" charset="0"/>
                         </a:rPr>
                         <a:t>lebih</a:t>
                       </a:r>
                       <a:r>
-                        <a:rPr lang="en-US" sz="1400" baseline="0" dirty="0" smtClean="0">
+                        <a:rPr lang="en-US" sz="1400" baseline="0" dirty="0">
                           <a:latin typeface="Calibri" panose="020F0502020204030204" pitchFamily="34" charset="0"/>
                         </a:rPr>
                         <a:t> </a:t>
                       </a:r>
                       <a:r>
-                        <a:rPr lang="en-US" sz="1400" baseline="0" dirty="0" err="1" smtClean="0">
+                        <a:rPr lang="en-US" sz="1400" baseline="0" dirty="0" err="1">
                           <a:latin typeface="Calibri" panose="020F0502020204030204" pitchFamily="34" charset="0"/>
                         </a:rPr>
                         <a:t>memudahkan</a:t>
@@ -6451,109 +6395,109 @@
                     <a:lstStyle/>
                     <a:p>
                       <a:r>
-                        <a:rPr lang="en-US" sz="1400" dirty="0" smtClean="0">
+                        <a:rPr lang="en-US" sz="1400" dirty="0">
                           <a:latin typeface="Calibri" panose="020F0502020204030204" pitchFamily="34" charset="0"/>
                         </a:rPr>
                         <a:t>- 12/12</a:t>
                       </a:r>
                       <a:r>
-                        <a:rPr lang="en-US" sz="1400" baseline="0" dirty="0" smtClean="0">
+                        <a:rPr lang="en-US" sz="1400" baseline="0" dirty="0">
                           <a:latin typeface="Calibri" panose="020F0502020204030204" pitchFamily="34" charset="0"/>
                         </a:rPr>
                         <a:t> orang </a:t>
                       </a:r>
                       <a:r>
-                        <a:rPr lang="en-US" sz="1400" baseline="0" dirty="0" err="1" smtClean="0">
+                        <a:rPr lang="en-US" sz="1400" baseline="0" dirty="0" err="1">
                           <a:latin typeface="Calibri" panose="020F0502020204030204" pitchFamily="34" charset="0"/>
                         </a:rPr>
                         <a:t>tidak</a:t>
                       </a:r>
                       <a:r>
-                        <a:rPr lang="en-US" sz="1400" baseline="0" dirty="0" smtClean="0">
+                        <a:rPr lang="en-US" sz="1400" baseline="0" dirty="0">
                           <a:latin typeface="Calibri" panose="020F0502020204030204" pitchFamily="34" charset="0"/>
                         </a:rPr>
                         <a:t> </a:t>
                       </a:r>
                       <a:r>
-                        <a:rPr lang="en-US" sz="1400" baseline="0" dirty="0" err="1" smtClean="0">
+                        <a:rPr lang="en-US" sz="1400" baseline="0" dirty="0" err="1">
                           <a:latin typeface="Calibri" panose="020F0502020204030204" pitchFamily="34" charset="0"/>
                         </a:rPr>
                         <a:t>mengetahui</a:t>
                       </a:r>
                       <a:r>
-                        <a:rPr lang="en-US" sz="1400" baseline="0" dirty="0" smtClean="0">
+                        <a:rPr lang="en-US" sz="1400" baseline="0" dirty="0">
                           <a:latin typeface="Calibri" panose="020F0502020204030204" pitchFamily="34" charset="0"/>
                         </a:rPr>
                         <a:t> game riddle </a:t>
                       </a:r>
                       <a:r>
-                        <a:rPr lang="en-US" sz="1400" baseline="0" dirty="0" err="1" smtClean="0">
+                        <a:rPr lang="en-US" sz="1400" baseline="0" dirty="0" err="1">
                           <a:latin typeface="Calibri" panose="020F0502020204030204" pitchFamily="34" charset="0"/>
                         </a:rPr>
                         <a:t>namun</a:t>
                       </a:r>
                       <a:r>
-                        <a:rPr lang="en-US" sz="1400" baseline="0" dirty="0" smtClean="0">
+                        <a:rPr lang="en-US" sz="1400" baseline="0" dirty="0">
                           <a:latin typeface="Calibri" panose="020F0502020204030204" pitchFamily="34" charset="0"/>
                         </a:rPr>
                         <a:t> </a:t>
                       </a:r>
                       <a:r>
-                        <a:rPr lang="en-US" sz="1400" baseline="0" dirty="0" err="1" smtClean="0">
+                        <a:rPr lang="en-US" sz="1400" baseline="0" dirty="0" err="1">
                           <a:latin typeface="Calibri" panose="020F0502020204030204" pitchFamily="34" charset="0"/>
                         </a:rPr>
                         <a:t>dengan</a:t>
                       </a:r>
                       <a:r>
-                        <a:rPr lang="en-US" sz="1400" baseline="0" dirty="0" smtClean="0">
+                        <a:rPr lang="en-US" sz="1400" baseline="0" dirty="0">
                           <a:latin typeface="Calibri" panose="020F0502020204030204" pitchFamily="34" charset="0"/>
                         </a:rPr>
                         <a:t> </a:t>
                       </a:r>
                       <a:r>
-                        <a:rPr lang="en-US" sz="1400" baseline="0" dirty="0" err="1" smtClean="0">
+                        <a:rPr lang="en-US" sz="1400" baseline="0" dirty="0" err="1">
                           <a:latin typeface="Calibri" panose="020F0502020204030204" pitchFamily="34" charset="0"/>
                         </a:rPr>
                         <a:t>teka-teki</a:t>
                       </a:r>
                       <a:r>
-                        <a:rPr lang="en-US" sz="1400" baseline="0" dirty="0" smtClean="0">
+                        <a:rPr lang="en-US" sz="1400" baseline="0" dirty="0">
                           <a:latin typeface="Calibri" panose="020F0502020204030204" pitchFamily="34" charset="0"/>
                         </a:rPr>
                         <a:t>/</a:t>
                       </a:r>
                       <a:r>
-                        <a:rPr lang="en-US" sz="1400" baseline="0" dirty="0" err="1" smtClean="0">
+                        <a:rPr lang="en-US" sz="1400" baseline="0" dirty="0" err="1">
                           <a:latin typeface="Calibri" panose="020F0502020204030204" pitchFamily="34" charset="0"/>
                         </a:rPr>
                         <a:t>tatarucingan</a:t>
                       </a:r>
                       <a:r>
-                        <a:rPr lang="en-US" sz="1400" baseline="0" dirty="0" smtClean="0">
+                        <a:rPr lang="en-US" sz="1400" baseline="0" dirty="0">
                           <a:latin typeface="Calibri" panose="020F0502020204030204" pitchFamily="34" charset="0"/>
                         </a:rPr>
                         <a:t> </a:t>
                       </a:r>
                       <a:r>
-                        <a:rPr lang="en-US" sz="1400" baseline="0" dirty="0" err="1" smtClean="0">
+                        <a:rPr lang="en-US" sz="1400" baseline="0" dirty="0" err="1">
                           <a:latin typeface="Calibri" panose="020F0502020204030204" pitchFamily="34" charset="0"/>
                         </a:rPr>
                         <a:t>mereka</a:t>
                       </a:r>
                       <a:r>
-                        <a:rPr lang="en-US" sz="1400" baseline="0" dirty="0" smtClean="0">
+                        <a:rPr lang="en-US" sz="1400" baseline="0" dirty="0">
                           <a:latin typeface="Calibri" panose="020F0502020204030204" pitchFamily="34" charset="0"/>
                         </a:rPr>
                         <a:t> </a:t>
                       </a:r>
                       <a:r>
-                        <a:rPr lang="en-US" sz="1400" baseline="0" dirty="0" err="1" smtClean="0">
+                        <a:rPr lang="en-US" sz="1400" baseline="0" dirty="0" err="1">
                           <a:latin typeface="Calibri" panose="020F0502020204030204" pitchFamily="34" charset="0"/>
                         </a:rPr>
                         <a:t>mengetahui</a:t>
                       </a:r>
                       <a:r>
-                        <a:rPr lang="en-US" sz="1400" baseline="0" dirty="0" smtClean="0">
+                        <a:rPr lang="en-US" sz="1400" baseline="0" dirty="0">
                           <a:latin typeface="Calibri" panose="020F0502020204030204" pitchFamily="34" charset="0"/>
                         </a:rPr>
                         <a:t>.</a:t>
@@ -6565,6 +6509,11 @@
                   </a:txBody>
                   <a:tcPr/>
                 </a:tc>
+                <a:extLst>
+                  <a:ext uri="{0D108BD9-81ED-4DB2-BD59-A6C34878D82A}">
+                    <a16:rowId xmlns:a16="http://schemas.microsoft.com/office/drawing/2014/main" val="10006"/>
+                  </a:ext>
+                </a:extLst>
               </a:tr>
               <a:tr h="1218975">
                 <a:tc>
@@ -6573,14 +6522,11 @@
                     <a:lstStyle/>
                     <a:p>
                       <a:r>
-                        <a:rPr lang="en-US" sz="1600" dirty="0" smtClean="0">
+                        <a:rPr lang="en-US" sz="1600" dirty="0">
                           <a:latin typeface="Calibri" panose="020F0502020204030204" pitchFamily="34" charset="0"/>
                         </a:rPr>
                         <a:t>Learning</a:t>
                       </a:r>
-                      <a:endParaRPr lang="en-US" sz="1600" dirty="0">
-                        <a:latin typeface="Calibri" panose="020F0502020204030204" pitchFamily="34" charset="0"/>
-                      </a:endParaRPr>
                     </a:p>
                   </a:txBody>
                   <a:tcPr/>
@@ -6591,193 +6537,193 @@
                     <a:lstStyle/>
                     <a:p>
                       <a:r>
-                        <a:rPr lang="en-US" sz="1400" dirty="0" smtClean="0">
+                        <a:rPr lang="en-US" sz="1400" dirty="0">
                           <a:latin typeface="Calibri" panose="020F0502020204030204" pitchFamily="34" charset="0"/>
                         </a:rPr>
                         <a:t>- User</a:t>
                       </a:r>
                       <a:r>
-                        <a:rPr lang="en-US" sz="1400" baseline="0" dirty="0" smtClean="0">
+                        <a:rPr lang="en-US" sz="1400" baseline="0" dirty="0">
                           <a:latin typeface="Calibri" panose="020F0502020204030204" pitchFamily="34" charset="0"/>
                         </a:rPr>
                         <a:t> </a:t>
                       </a:r>
                       <a:r>
-                        <a:rPr lang="en-US" sz="1400" baseline="0" dirty="0" err="1" smtClean="0">
+                        <a:rPr lang="en-US" sz="1400" baseline="0" dirty="0" err="1">
                           <a:latin typeface="Calibri" panose="020F0502020204030204" pitchFamily="34" charset="0"/>
                         </a:rPr>
                         <a:t>setuju</a:t>
                       </a:r>
                       <a:r>
-                        <a:rPr lang="en-US" sz="1400" baseline="0" dirty="0" smtClean="0">
+                        <a:rPr lang="en-US" sz="1400" baseline="0" dirty="0">
                           <a:latin typeface="Calibri" panose="020F0502020204030204" pitchFamily="34" charset="0"/>
                         </a:rPr>
                         <a:t> </a:t>
                       </a:r>
                       <a:r>
-                        <a:rPr lang="en-US" sz="1400" baseline="0" dirty="0" err="1" smtClean="0">
+                        <a:rPr lang="en-US" sz="1400" baseline="0" dirty="0" err="1">
                           <a:latin typeface="Calibri" panose="020F0502020204030204" pitchFamily="34" charset="0"/>
                         </a:rPr>
                         <a:t>dengan</a:t>
                       </a:r>
                       <a:r>
-                        <a:rPr lang="en-US" sz="1400" baseline="0" dirty="0" smtClean="0">
+                        <a:rPr lang="en-US" sz="1400" baseline="0" dirty="0">
                           <a:latin typeface="Calibri" panose="020F0502020204030204" pitchFamily="34" charset="0"/>
                         </a:rPr>
                         <a:t> </a:t>
                       </a:r>
                       <a:r>
-                        <a:rPr lang="en-US" sz="1400" baseline="0" dirty="0" err="1" smtClean="0">
+                        <a:rPr lang="en-US" sz="1400" baseline="0" dirty="0" err="1">
                           <a:latin typeface="Calibri" panose="020F0502020204030204" pitchFamily="34" charset="0"/>
                         </a:rPr>
                         <a:t>adanya</a:t>
                       </a:r>
                       <a:r>
-                        <a:rPr lang="en-US" sz="1400" baseline="0" dirty="0" smtClean="0">
+                        <a:rPr lang="en-US" sz="1400" baseline="0" dirty="0">
                           <a:latin typeface="Calibri" panose="020F0502020204030204" pitchFamily="34" charset="0"/>
                         </a:rPr>
                         <a:t> </a:t>
                       </a:r>
                       <a:r>
-                        <a:rPr lang="en-US" sz="1400" baseline="0" dirty="0" err="1" smtClean="0">
+                        <a:rPr lang="en-US" sz="1400" baseline="0" dirty="0" err="1">
                           <a:latin typeface="Calibri" panose="020F0502020204030204" pitchFamily="34" charset="0"/>
                         </a:rPr>
                         <a:t>aplikasi</a:t>
                       </a:r>
                       <a:r>
-                        <a:rPr lang="en-US" sz="1400" baseline="0" dirty="0" smtClean="0">
+                        <a:rPr lang="en-US" sz="1400" baseline="0" dirty="0">
                           <a:latin typeface="Calibri" panose="020F0502020204030204" pitchFamily="34" charset="0"/>
                         </a:rPr>
                         <a:t> riddle </a:t>
                       </a:r>
                       <a:r>
-                        <a:rPr lang="en-US" sz="1400" baseline="0" dirty="0" err="1" smtClean="0">
+                        <a:rPr lang="en-US" sz="1400" baseline="0" dirty="0" err="1">
                           <a:latin typeface="Calibri" panose="020F0502020204030204" pitchFamily="34" charset="0"/>
                         </a:rPr>
                         <a:t>dengan</a:t>
                       </a:r>
                       <a:r>
-                        <a:rPr lang="en-US" sz="1400" baseline="0" dirty="0" smtClean="0">
+                        <a:rPr lang="en-US" sz="1400" baseline="0" dirty="0">
                           <a:latin typeface="Calibri" panose="020F0502020204030204" pitchFamily="34" charset="0"/>
                         </a:rPr>
                         <a:t> </a:t>
                       </a:r>
                       <a:r>
-                        <a:rPr lang="en-US" sz="1400" baseline="0" dirty="0" err="1" smtClean="0">
+                        <a:rPr lang="en-US" sz="1400" baseline="0" dirty="0" err="1">
                           <a:latin typeface="Calibri" panose="020F0502020204030204" pitchFamily="34" charset="0"/>
                         </a:rPr>
                         <a:t>menggunakan</a:t>
                       </a:r>
                       <a:r>
-                        <a:rPr lang="en-US" sz="1400" baseline="0" dirty="0" smtClean="0">
+                        <a:rPr lang="en-US" sz="1400" baseline="0" dirty="0">
                           <a:latin typeface="Calibri" panose="020F0502020204030204" pitchFamily="34" charset="0"/>
                         </a:rPr>
                         <a:t> </a:t>
                       </a:r>
                       <a:r>
-                        <a:rPr lang="en-US" sz="1400" baseline="0" dirty="0" err="1" smtClean="0">
+                        <a:rPr lang="en-US" sz="1400" baseline="0" dirty="0" err="1">
                           <a:latin typeface="Calibri" panose="020F0502020204030204" pitchFamily="34" charset="0"/>
                         </a:rPr>
                         <a:t>bahasa</a:t>
                       </a:r>
                       <a:r>
-                        <a:rPr lang="en-US" sz="1400" baseline="0" dirty="0" smtClean="0">
+                        <a:rPr lang="en-US" sz="1400" baseline="0" dirty="0">
                           <a:latin typeface="Calibri" panose="020F0502020204030204" pitchFamily="34" charset="0"/>
                         </a:rPr>
                         <a:t> Indonesia </a:t>
                       </a:r>
                       <a:r>
-                        <a:rPr lang="en-US" sz="1400" baseline="0" dirty="0" err="1" smtClean="0">
+                        <a:rPr lang="en-US" sz="1400" baseline="0" dirty="0" err="1">
                           <a:latin typeface="Calibri" panose="020F0502020204030204" pitchFamily="34" charset="0"/>
                         </a:rPr>
                         <a:t>dapat</a:t>
                       </a:r>
                       <a:r>
-                        <a:rPr lang="en-US" sz="1400" baseline="0" dirty="0" smtClean="0">
+                        <a:rPr lang="en-US" sz="1400" baseline="0" dirty="0">
                           <a:latin typeface="Calibri" panose="020F0502020204030204" pitchFamily="34" charset="0"/>
                         </a:rPr>
                         <a:t> </a:t>
                       </a:r>
                       <a:r>
-                        <a:rPr lang="en-US" sz="1400" baseline="0" dirty="0" err="1" smtClean="0">
+                        <a:rPr lang="en-US" sz="1400" baseline="0" dirty="0" err="1">
                           <a:latin typeface="Calibri" panose="020F0502020204030204" pitchFamily="34" charset="0"/>
                         </a:rPr>
                         <a:t>membantu</a:t>
                       </a:r>
                       <a:r>
-                        <a:rPr lang="en-US" sz="1400" baseline="0" dirty="0" smtClean="0">
+                        <a:rPr lang="en-US" sz="1400" baseline="0" dirty="0">
                           <a:latin typeface="Calibri" panose="020F0502020204030204" pitchFamily="34" charset="0"/>
                         </a:rPr>
                         <a:t> </a:t>
                       </a:r>
                       <a:r>
-                        <a:rPr lang="en-US" sz="1400" baseline="0" dirty="0" err="1" smtClean="0">
+                        <a:rPr lang="en-US" sz="1400" baseline="0" dirty="0" err="1">
                           <a:latin typeface="Calibri" panose="020F0502020204030204" pitchFamily="34" charset="0"/>
                         </a:rPr>
                         <a:t>terutama</a:t>
                       </a:r>
                       <a:r>
-                        <a:rPr lang="en-US" sz="1400" baseline="0" dirty="0" smtClean="0">
+                        <a:rPr lang="en-US" sz="1400" baseline="0" dirty="0">
                           <a:latin typeface="Calibri" panose="020F0502020204030204" pitchFamily="34" charset="0"/>
                         </a:rPr>
                         <a:t> </a:t>
                       </a:r>
                       <a:r>
-                        <a:rPr lang="en-US" sz="1400" baseline="0" dirty="0" err="1" smtClean="0">
+                        <a:rPr lang="en-US" sz="1400" baseline="0" dirty="0" err="1">
                           <a:latin typeface="Calibri" panose="020F0502020204030204" pitchFamily="34" charset="0"/>
                         </a:rPr>
                         <a:t>bagi</a:t>
                       </a:r>
                       <a:r>
-                        <a:rPr lang="en-US" sz="1400" baseline="0" dirty="0" smtClean="0">
+                        <a:rPr lang="en-US" sz="1400" baseline="0" dirty="0">
                           <a:latin typeface="Calibri" panose="020F0502020204030204" pitchFamily="34" charset="0"/>
                         </a:rPr>
                         <a:t> orang yang </a:t>
                       </a:r>
                       <a:r>
-                        <a:rPr lang="en-US" sz="1400" baseline="0" dirty="0" err="1" smtClean="0">
+                        <a:rPr lang="en-US" sz="1400" baseline="0" dirty="0" err="1">
                           <a:latin typeface="Calibri" panose="020F0502020204030204" pitchFamily="34" charset="0"/>
                         </a:rPr>
                         <a:t>kurang</a:t>
                       </a:r>
                       <a:r>
-                        <a:rPr lang="en-US" sz="1400" baseline="0" dirty="0" smtClean="0">
+                        <a:rPr lang="en-US" sz="1400" baseline="0" dirty="0">
                           <a:latin typeface="Calibri" panose="020F0502020204030204" pitchFamily="34" charset="0"/>
                         </a:rPr>
                         <a:t> </a:t>
                       </a:r>
                       <a:r>
-                        <a:rPr lang="en-US" sz="1400" baseline="0" dirty="0" err="1" smtClean="0">
+                        <a:rPr lang="en-US" sz="1400" baseline="0" dirty="0" err="1">
                           <a:latin typeface="Calibri" panose="020F0502020204030204" pitchFamily="34" charset="0"/>
                         </a:rPr>
                         <a:t>menguasai</a:t>
                       </a:r>
                       <a:r>
-                        <a:rPr lang="en-US" sz="1400" baseline="0" dirty="0" smtClean="0">
+                        <a:rPr lang="en-US" sz="1400" baseline="0" dirty="0">
                           <a:latin typeface="Calibri" panose="020F0502020204030204" pitchFamily="34" charset="0"/>
                         </a:rPr>
                         <a:t> </a:t>
                       </a:r>
                       <a:r>
-                        <a:rPr lang="en-US" sz="1400" baseline="0" dirty="0" err="1" smtClean="0">
+                        <a:rPr lang="en-US" sz="1400" baseline="0" dirty="0" err="1">
                           <a:latin typeface="Calibri" panose="020F0502020204030204" pitchFamily="34" charset="0"/>
                         </a:rPr>
                         <a:t>bahasa</a:t>
                       </a:r>
                       <a:r>
-                        <a:rPr lang="en-US" sz="1400" baseline="0" dirty="0" smtClean="0">
+                        <a:rPr lang="en-US" sz="1400" baseline="0" dirty="0">
                           <a:latin typeface="Calibri" panose="020F0502020204030204" pitchFamily="34" charset="0"/>
                         </a:rPr>
                         <a:t> </a:t>
                       </a:r>
                       <a:r>
-                        <a:rPr lang="en-US" sz="1400" baseline="0" dirty="0" err="1" smtClean="0">
+                        <a:rPr lang="en-US" sz="1400" baseline="0" dirty="0" err="1">
                           <a:latin typeface="Calibri" panose="020F0502020204030204" pitchFamily="34" charset="0"/>
                         </a:rPr>
                         <a:t>Inggris</a:t>
                       </a:r>
                       <a:r>
-                        <a:rPr lang="en-US" sz="1400" baseline="0" dirty="0" smtClean="0">
+                        <a:rPr lang="en-US" sz="1400" baseline="0" dirty="0">
                           <a:latin typeface="Calibri" panose="020F0502020204030204" pitchFamily="34" charset="0"/>
                         </a:rPr>
                         <a:t>.</a:t>
@@ -6795,115 +6741,115 @@
                     <a:lstStyle/>
                     <a:p>
                       <a:r>
-                        <a:rPr lang="en-US" sz="1400" dirty="0" smtClean="0">
+                        <a:rPr lang="en-US" sz="1400" dirty="0">
                           <a:latin typeface="Calibri" panose="020F0502020204030204" pitchFamily="34" charset="0"/>
                         </a:rPr>
                         <a:t>- Game riddle</a:t>
                       </a:r>
                       <a:r>
-                        <a:rPr lang="en-US" sz="1400" baseline="0" dirty="0" smtClean="0">
+                        <a:rPr lang="en-US" sz="1400" baseline="0" dirty="0">
                           <a:latin typeface="Calibri" panose="020F0502020204030204" pitchFamily="34" charset="0"/>
                         </a:rPr>
                         <a:t> </a:t>
                       </a:r>
                       <a:r>
-                        <a:rPr lang="en-US" sz="1400" baseline="0" dirty="0" err="1" smtClean="0">
+                        <a:rPr lang="en-US" sz="1400" baseline="0" dirty="0" err="1">
                           <a:latin typeface="Calibri" panose="020F0502020204030204" pitchFamily="34" charset="0"/>
                         </a:rPr>
                         <a:t>harus</a:t>
                       </a:r>
                       <a:r>
-                        <a:rPr lang="en-US" sz="1400" baseline="0" dirty="0" smtClean="0">
+                        <a:rPr lang="en-US" sz="1400" baseline="0" dirty="0">
                           <a:latin typeface="Calibri" panose="020F0502020204030204" pitchFamily="34" charset="0"/>
                         </a:rPr>
                         <a:t> </a:t>
                       </a:r>
                       <a:r>
-                        <a:rPr lang="en-US" sz="1400" baseline="0" dirty="0" err="1" smtClean="0">
+                        <a:rPr lang="en-US" sz="1400" baseline="0" dirty="0" err="1">
                           <a:latin typeface="Calibri" panose="020F0502020204030204" pitchFamily="34" charset="0"/>
                         </a:rPr>
                         <a:t>lebih</a:t>
                       </a:r>
                       <a:r>
-                        <a:rPr lang="en-US" sz="1400" baseline="0" dirty="0" smtClean="0">
+                        <a:rPr lang="en-US" sz="1400" baseline="0" dirty="0">
                           <a:latin typeface="Calibri" panose="020F0502020204030204" pitchFamily="34" charset="0"/>
                         </a:rPr>
                         <a:t> </a:t>
                       </a:r>
                       <a:r>
-                        <a:rPr lang="en-US" sz="1400" baseline="0" dirty="0" err="1" smtClean="0">
+                        <a:rPr lang="en-US" sz="1400" baseline="0" dirty="0" err="1">
                           <a:latin typeface="Calibri" panose="020F0502020204030204" pitchFamily="34" charset="0"/>
                         </a:rPr>
                         <a:t>dikenalkan</a:t>
                       </a:r>
                       <a:r>
-                        <a:rPr lang="en-US" sz="1400" baseline="0" dirty="0" smtClean="0">
+                        <a:rPr lang="en-US" sz="1400" baseline="0" dirty="0">
                           <a:latin typeface="Calibri" panose="020F0502020204030204" pitchFamily="34" charset="0"/>
                         </a:rPr>
                         <a:t> </a:t>
                       </a:r>
                       <a:r>
-                        <a:rPr lang="en-US" sz="1400" baseline="0" dirty="0" err="1" smtClean="0">
+                        <a:rPr lang="en-US" sz="1400" baseline="0" dirty="0" err="1">
                           <a:latin typeface="Calibri" panose="020F0502020204030204" pitchFamily="34" charset="0"/>
                         </a:rPr>
                         <a:t>kepada</a:t>
                       </a:r>
                       <a:r>
-                        <a:rPr lang="en-US" sz="1400" baseline="0" dirty="0" smtClean="0">
+                        <a:rPr lang="en-US" sz="1400" baseline="0" dirty="0">
                           <a:latin typeface="Calibri" panose="020F0502020204030204" pitchFamily="34" charset="0"/>
                         </a:rPr>
                         <a:t> user </a:t>
                       </a:r>
                       <a:r>
-                        <a:rPr lang="en-US" sz="1400" baseline="0" dirty="0" err="1" smtClean="0">
+                        <a:rPr lang="en-US" sz="1400" baseline="0" dirty="0" err="1">
                           <a:latin typeface="Calibri" panose="020F0502020204030204" pitchFamily="34" charset="0"/>
                         </a:rPr>
                         <a:t>untuk</a:t>
                       </a:r>
                       <a:r>
-                        <a:rPr lang="en-US" sz="1400" baseline="0" dirty="0" smtClean="0">
+                        <a:rPr lang="en-US" sz="1400" baseline="0" dirty="0">
                           <a:latin typeface="Calibri" panose="020F0502020204030204" pitchFamily="34" charset="0"/>
                         </a:rPr>
                         <a:t> </a:t>
                       </a:r>
                       <a:r>
-                        <a:rPr lang="en-US" sz="1400" baseline="0" dirty="0" err="1" smtClean="0">
+                        <a:rPr lang="en-US" sz="1400" baseline="0" dirty="0" err="1">
                           <a:latin typeface="Calibri" panose="020F0502020204030204" pitchFamily="34" charset="0"/>
                         </a:rPr>
                         <a:t>membuat</a:t>
                       </a:r>
                       <a:r>
-                        <a:rPr lang="en-US" sz="1400" baseline="0" dirty="0" smtClean="0">
+                        <a:rPr lang="en-US" sz="1400" baseline="0" dirty="0">
                           <a:latin typeface="Calibri" panose="020F0502020204030204" pitchFamily="34" charset="0"/>
                         </a:rPr>
                         <a:t> </a:t>
                       </a:r>
                       <a:r>
-                        <a:rPr lang="en-US" sz="1400" baseline="0" dirty="0" err="1" smtClean="0">
+                        <a:rPr lang="en-US" sz="1400" baseline="0" dirty="0" err="1">
                           <a:latin typeface="Calibri" panose="020F0502020204030204" pitchFamily="34" charset="0"/>
                         </a:rPr>
                         <a:t>mereka</a:t>
                       </a:r>
                       <a:r>
-                        <a:rPr lang="en-US" sz="1400" baseline="0" dirty="0" smtClean="0">
+                        <a:rPr lang="en-US" sz="1400" baseline="0" dirty="0">
                           <a:latin typeface="Calibri" panose="020F0502020204030204" pitchFamily="34" charset="0"/>
                         </a:rPr>
                         <a:t> </a:t>
                       </a:r>
                       <a:r>
-                        <a:rPr lang="en-US" sz="1400" baseline="0" dirty="0" err="1" smtClean="0">
+                        <a:rPr lang="en-US" sz="1400" baseline="0" dirty="0" err="1">
                           <a:latin typeface="Calibri" panose="020F0502020204030204" pitchFamily="34" charset="0"/>
                         </a:rPr>
                         <a:t>lebih</a:t>
                       </a:r>
                       <a:r>
-                        <a:rPr lang="en-US" sz="1400" baseline="0" dirty="0" smtClean="0">
+                        <a:rPr lang="en-US" sz="1400" baseline="0" dirty="0">
                           <a:latin typeface="Calibri" panose="020F0502020204030204" pitchFamily="34" charset="0"/>
                         </a:rPr>
                         <a:t> </a:t>
                       </a:r>
                       <a:r>
-                        <a:rPr lang="en-US" sz="1400" baseline="0" dirty="0" err="1" smtClean="0">
+                        <a:rPr lang="en-US" sz="1400" baseline="0" dirty="0" err="1">
                           <a:latin typeface="Calibri" panose="020F0502020204030204" pitchFamily="34" charset="0"/>
                         </a:rPr>
                         <a:t>tertarik</a:t>
@@ -6915,6 +6861,11 @@
                   </a:txBody>
                   <a:tcPr/>
                 </a:tc>
+                <a:extLst>
+                  <a:ext uri="{0D108BD9-81ED-4DB2-BD59-A6C34878D82A}">
+                    <a16:rowId xmlns:a16="http://schemas.microsoft.com/office/drawing/2014/main" val="10007"/>
+                  </a:ext>
+                </a:extLst>
               </a:tr>
             </a:tbl>
           </a:graphicData>
@@ -6930,13 +6881,6 @@
   <p:clrMapOvr>
     <a:masterClrMapping/>
   </p:clrMapOvr>
-  <p:timing>
-    <p:tnLst>
-      <p:par>
-        <p:cTn id="1" dur="indefinite" restart="never" nodeType="tmRoot"/>
-      </p:par>
-    </p:tnLst>
-  </p:timing>
 </p:sld>
 </file>
 
@@ -7241,15 +7185,69 @@
                 <a:tableStyleId>{5C22544A-7EE6-4342-B048-85BDC9FD1C3A}</a:tableStyleId>
               </a:tblPr>
               <a:tblGrid>
-                <a:gridCol w="570565"/>
-                <a:gridCol w="1064030"/>
-                <a:gridCol w="1562792"/>
-                <a:gridCol w="1363288"/>
-                <a:gridCol w="1313410"/>
-                <a:gridCol w="1518686"/>
-                <a:gridCol w="1440645"/>
-                <a:gridCol w="1070109"/>
-                <a:gridCol w="1268058"/>
+                <a:gridCol w="570565">
+                  <a:extLst>
+                    <a:ext uri="{9D8B030D-6E8A-4147-A177-3AD203B41FA5}">
+                      <a16:colId xmlns:a16="http://schemas.microsoft.com/office/drawing/2014/main" val="20000"/>
+                    </a:ext>
+                  </a:extLst>
+                </a:gridCol>
+                <a:gridCol w="1064030">
+                  <a:extLst>
+                    <a:ext uri="{9D8B030D-6E8A-4147-A177-3AD203B41FA5}">
+                      <a16:colId xmlns:a16="http://schemas.microsoft.com/office/drawing/2014/main" val="20001"/>
+                    </a:ext>
+                  </a:extLst>
+                </a:gridCol>
+                <a:gridCol w="1562792">
+                  <a:extLst>
+                    <a:ext uri="{9D8B030D-6E8A-4147-A177-3AD203B41FA5}">
+                      <a16:colId xmlns:a16="http://schemas.microsoft.com/office/drawing/2014/main" val="20002"/>
+                    </a:ext>
+                  </a:extLst>
+                </a:gridCol>
+                <a:gridCol w="1363288">
+                  <a:extLst>
+                    <a:ext uri="{9D8B030D-6E8A-4147-A177-3AD203B41FA5}">
+                      <a16:colId xmlns:a16="http://schemas.microsoft.com/office/drawing/2014/main" val="20003"/>
+                    </a:ext>
+                  </a:extLst>
+                </a:gridCol>
+                <a:gridCol w="1313410">
+                  <a:extLst>
+                    <a:ext uri="{9D8B030D-6E8A-4147-A177-3AD203B41FA5}">
+                      <a16:colId xmlns:a16="http://schemas.microsoft.com/office/drawing/2014/main" val="20004"/>
+                    </a:ext>
+                  </a:extLst>
+                </a:gridCol>
+                <a:gridCol w="1518686">
+                  <a:extLst>
+                    <a:ext uri="{9D8B030D-6E8A-4147-A177-3AD203B41FA5}">
+                      <a16:colId xmlns:a16="http://schemas.microsoft.com/office/drawing/2014/main" val="20005"/>
+                    </a:ext>
+                  </a:extLst>
+                </a:gridCol>
+                <a:gridCol w="1440645">
+                  <a:extLst>
+                    <a:ext uri="{9D8B030D-6E8A-4147-A177-3AD203B41FA5}">
+                      <a16:colId xmlns:a16="http://schemas.microsoft.com/office/drawing/2014/main" val="20006"/>
+                    </a:ext>
+                  </a:extLst>
+                </a:gridCol>
+                <a:gridCol w="1070109">
+                  <a:extLst>
+                    <a:ext uri="{9D8B030D-6E8A-4147-A177-3AD203B41FA5}">
+                      <a16:colId xmlns:a16="http://schemas.microsoft.com/office/drawing/2014/main" val="20007"/>
+                    </a:ext>
+                  </a:extLst>
+                </a:gridCol>
+                <a:gridCol w="1268058">
+                  <a:extLst>
+                    <a:ext uri="{9D8B030D-6E8A-4147-A177-3AD203B41FA5}">
+                      <a16:colId xmlns:a16="http://schemas.microsoft.com/office/drawing/2014/main" val="20008"/>
+                    </a:ext>
+                  </a:extLst>
+                </a:gridCol>
               </a:tblGrid>
               <a:tr h="467580">
                 <a:tc gridSpan="9">
@@ -7368,6 +7366,11 @@
                   </a:txBody>
                   <a:tcPr/>
                 </a:tc>
+                <a:extLst>
+                  <a:ext uri="{0D108BD9-81ED-4DB2-BD59-A6C34878D82A}">
+                    <a16:rowId xmlns:a16="http://schemas.microsoft.com/office/drawing/2014/main" val="10000"/>
+                  </a:ext>
+                </a:extLst>
               </a:tr>
               <a:tr h="604515">
                 <a:tc rowSpan="3">
@@ -7416,13 +7419,7 @@
                         <a:rPr lang="en-US" sz="1400" u="none" strike="noStrike" dirty="0">
                           <a:effectLst/>
                         </a:rPr>
-                        <a:t> </a:t>
-                      </a:r>
-                      <a:r>
-                        <a:rPr lang="en-US" sz="1400" u="none" strike="noStrike" dirty="0" smtClean="0">
-                          <a:effectLst/>
-                        </a:rPr>
-                        <a:t>Interviewee</a:t>
+                        <a:t> Interviewee</a:t>
                       </a:r>
                       <a:endParaRPr lang="en-US" sz="1400" b="0" i="0" u="none" strike="noStrike" dirty="0">
                         <a:solidFill>
@@ -7730,6 +7727,11 @@
                   </a:txBody>
                   <a:tcPr/>
                 </a:tc>
+                <a:extLst>
+                  <a:ext uri="{0D108BD9-81ED-4DB2-BD59-A6C34878D82A}">
+                    <a16:rowId xmlns:a16="http://schemas.microsoft.com/office/drawing/2014/main" val="10001"/>
+                  </a:ext>
+                </a:extLst>
               </a:tr>
               <a:tr h="333985">
                 <a:tc vMerge="1">
@@ -7918,6 +7920,11 @@
                   </a:txBody>
                   <a:tcPr/>
                 </a:tc>
+                <a:extLst>
+                  <a:ext uri="{0D108BD9-81ED-4DB2-BD59-A6C34878D82A}">
+                    <a16:rowId xmlns:a16="http://schemas.microsoft.com/office/drawing/2014/main" val="10002"/>
+                  </a:ext>
+                </a:extLst>
               </a:tr>
               <a:tr h="604515">
                 <a:tc vMerge="1">
@@ -8154,6 +8161,11 @@
                     </a:solidFill>
                   </a:tcPr>
                 </a:tc>
+                <a:extLst>
+                  <a:ext uri="{0D108BD9-81ED-4DB2-BD59-A6C34878D82A}">
+                    <a16:rowId xmlns:a16="http://schemas.microsoft.com/office/drawing/2014/main" val="10003"/>
+                  </a:ext>
+                </a:extLst>
               </a:tr>
               <a:tr h="333985">
                 <a:tc>
@@ -8417,6 +8429,11 @@
                     </a:solidFill>
                   </a:tcPr>
                 </a:tc>
+                <a:extLst>
+                  <a:ext uri="{0D108BD9-81ED-4DB2-BD59-A6C34878D82A}">
+                    <a16:rowId xmlns:a16="http://schemas.microsoft.com/office/drawing/2014/main" val="10004"/>
+                  </a:ext>
+                </a:extLst>
               </a:tr>
               <a:tr h="333985">
                 <a:tc>
@@ -8680,6 +8697,11 @@
                     </a:solidFill>
                   </a:tcPr>
                 </a:tc>
+                <a:extLst>
+                  <a:ext uri="{0D108BD9-81ED-4DB2-BD59-A6C34878D82A}">
+                    <a16:rowId xmlns:a16="http://schemas.microsoft.com/office/drawing/2014/main" val="10005"/>
+                  </a:ext>
+                </a:extLst>
               </a:tr>
               <a:tr h="333985">
                 <a:tc>
@@ -8943,6 +8965,11 @@
                     </a:solidFill>
                   </a:tcPr>
                 </a:tc>
+                <a:extLst>
+                  <a:ext uri="{0D108BD9-81ED-4DB2-BD59-A6C34878D82A}">
+                    <a16:rowId xmlns:a16="http://schemas.microsoft.com/office/drawing/2014/main" val="10006"/>
+                  </a:ext>
+                </a:extLst>
               </a:tr>
               <a:tr h="333985">
                 <a:tc>
@@ -9206,6 +9233,11 @@
                     </a:solidFill>
                   </a:tcPr>
                 </a:tc>
+                <a:extLst>
+                  <a:ext uri="{0D108BD9-81ED-4DB2-BD59-A6C34878D82A}">
+                    <a16:rowId xmlns:a16="http://schemas.microsoft.com/office/drawing/2014/main" val="10007"/>
+                  </a:ext>
+                </a:extLst>
               </a:tr>
               <a:tr h="333985">
                 <a:tc>
@@ -9469,6 +9501,11 @@
                     </a:solidFill>
                   </a:tcPr>
                 </a:tc>
+                <a:extLst>
+                  <a:ext uri="{0D108BD9-81ED-4DB2-BD59-A6C34878D82A}">
+                    <a16:rowId xmlns:a16="http://schemas.microsoft.com/office/drawing/2014/main" val="10008"/>
+                  </a:ext>
+                </a:extLst>
               </a:tr>
               <a:tr h="333985">
                 <a:tc>
@@ -9732,6 +9769,11 @@
                     </a:solidFill>
                   </a:tcPr>
                 </a:tc>
+                <a:extLst>
+                  <a:ext uri="{0D108BD9-81ED-4DB2-BD59-A6C34878D82A}">
+                    <a16:rowId xmlns:a16="http://schemas.microsoft.com/office/drawing/2014/main" val="10009"/>
+                  </a:ext>
+                </a:extLst>
               </a:tr>
               <a:tr h="333985">
                 <a:tc>
@@ -9995,6 +10037,11 @@
                     </a:solidFill>
                   </a:tcPr>
                 </a:tc>
+                <a:extLst>
+                  <a:ext uri="{0D108BD9-81ED-4DB2-BD59-A6C34878D82A}">
+                    <a16:rowId xmlns:a16="http://schemas.microsoft.com/office/drawing/2014/main" val="10010"/>
+                  </a:ext>
+                </a:extLst>
               </a:tr>
               <a:tr h="333985">
                 <a:tc>
@@ -10258,6 +10305,11 @@
                     </a:solidFill>
                   </a:tcPr>
                 </a:tc>
+                <a:extLst>
+                  <a:ext uri="{0D108BD9-81ED-4DB2-BD59-A6C34878D82A}">
+                    <a16:rowId xmlns:a16="http://schemas.microsoft.com/office/drawing/2014/main" val="10011"/>
+                  </a:ext>
+                </a:extLst>
               </a:tr>
               <a:tr h="333985">
                 <a:tc>
@@ -10521,6 +10573,11 @@
                     </a:solidFill>
                   </a:tcPr>
                 </a:tc>
+                <a:extLst>
+                  <a:ext uri="{0D108BD9-81ED-4DB2-BD59-A6C34878D82A}">
+                    <a16:rowId xmlns:a16="http://schemas.microsoft.com/office/drawing/2014/main" val="10012"/>
+                  </a:ext>
+                </a:extLst>
               </a:tr>
               <a:tr h="333985">
                 <a:tc>
@@ -10796,6 +10853,11 @@
                     </a:solidFill>
                   </a:tcPr>
                 </a:tc>
+                <a:extLst>
+                  <a:ext uri="{0D108BD9-81ED-4DB2-BD59-A6C34878D82A}">
+                    <a16:rowId xmlns:a16="http://schemas.microsoft.com/office/drawing/2014/main" val="10013"/>
+                  </a:ext>
+                </a:extLst>
               </a:tr>
               <a:tr h="333985">
                 <a:tc>
@@ -11071,6 +11133,11 @@
                     </a:solidFill>
                   </a:tcPr>
                 </a:tc>
+                <a:extLst>
+                  <a:ext uri="{0D108BD9-81ED-4DB2-BD59-A6C34878D82A}">
+                    <a16:rowId xmlns:a16="http://schemas.microsoft.com/office/drawing/2014/main" val="10014"/>
+                  </a:ext>
+                </a:extLst>
               </a:tr>
               <a:tr h="333985">
                 <a:tc>
@@ -11334,6 +11401,11 @@
                     </a:solidFill>
                   </a:tcPr>
                 </a:tc>
+                <a:extLst>
+                  <a:ext uri="{0D108BD9-81ED-4DB2-BD59-A6C34878D82A}">
+                    <a16:rowId xmlns:a16="http://schemas.microsoft.com/office/drawing/2014/main" val="10015"/>
+                  </a:ext>
+                </a:extLst>
               </a:tr>
             </a:tbl>
           </a:graphicData>
@@ -11349,13 +11421,6 @@
   <p:clrMapOvr>
     <a:masterClrMapping/>
   </p:clrMapOvr>
-  <p:timing>
-    <p:tnLst>
-      <p:par>
-        <p:cTn id="1" dur="indefinite" restart="never" nodeType="tmRoot"/>
-      </p:par>
-    </p:tnLst>
-  </p:timing>
 </p:sld>
 </file>
 
@@ -11660,15 +11725,69 @@
                 <a:tableStyleId>{5C22544A-7EE6-4342-B048-85BDC9FD1C3A}</a:tableStyleId>
               </a:tblPr>
               <a:tblGrid>
-                <a:gridCol w="758199"/>
-                <a:gridCol w="829280"/>
-                <a:gridCol w="758199"/>
-                <a:gridCol w="1317222"/>
-                <a:gridCol w="1712422"/>
-                <a:gridCol w="1270764"/>
-                <a:gridCol w="1575631"/>
-                <a:gridCol w="1981022"/>
-                <a:gridCol w="968844"/>
+                <a:gridCol w="758199">
+                  <a:extLst>
+                    <a:ext uri="{9D8B030D-6E8A-4147-A177-3AD203B41FA5}">
+                      <a16:colId xmlns:a16="http://schemas.microsoft.com/office/drawing/2014/main" val="20000"/>
+                    </a:ext>
+                  </a:extLst>
+                </a:gridCol>
+                <a:gridCol w="829280">
+                  <a:extLst>
+                    <a:ext uri="{9D8B030D-6E8A-4147-A177-3AD203B41FA5}">
+                      <a16:colId xmlns:a16="http://schemas.microsoft.com/office/drawing/2014/main" val="20001"/>
+                    </a:ext>
+                  </a:extLst>
+                </a:gridCol>
+                <a:gridCol w="758199">
+                  <a:extLst>
+                    <a:ext uri="{9D8B030D-6E8A-4147-A177-3AD203B41FA5}">
+                      <a16:colId xmlns:a16="http://schemas.microsoft.com/office/drawing/2014/main" val="20002"/>
+                    </a:ext>
+                  </a:extLst>
+                </a:gridCol>
+                <a:gridCol w="1317222">
+                  <a:extLst>
+                    <a:ext uri="{9D8B030D-6E8A-4147-A177-3AD203B41FA5}">
+                      <a16:colId xmlns:a16="http://schemas.microsoft.com/office/drawing/2014/main" val="20003"/>
+                    </a:ext>
+                  </a:extLst>
+                </a:gridCol>
+                <a:gridCol w="1712422">
+                  <a:extLst>
+                    <a:ext uri="{9D8B030D-6E8A-4147-A177-3AD203B41FA5}">
+                      <a16:colId xmlns:a16="http://schemas.microsoft.com/office/drawing/2014/main" val="20004"/>
+                    </a:ext>
+                  </a:extLst>
+                </a:gridCol>
+                <a:gridCol w="1270764">
+                  <a:extLst>
+                    <a:ext uri="{9D8B030D-6E8A-4147-A177-3AD203B41FA5}">
+                      <a16:colId xmlns:a16="http://schemas.microsoft.com/office/drawing/2014/main" val="20005"/>
+                    </a:ext>
+                  </a:extLst>
+                </a:gridCol>
+                <a:gridCol w="1575631">
+                  <a:extLst>
+                    <a:ext uri="{9D8B030D-6E8A-4147-A177-3AD203B41FA5}">
+                      <a16:colId xmlns:a16="http://schemas.microsoft.com/office/drawing/2014/main" val="20006"/>
+                    </a:ext>
+                  </a:extLst>
+                </a:gridCol>
+                <a:gridCol w="1981022">
+                  <a:extLst>
+                    <a:ext uri="{9D8B030D-6E8A-4147-A177-3AD203B41FA5}">
+                      <a16:colId xmlns:a16="http://schemas.microsoft.com/office/drawing/2014/main" val="20007"/>
+                    </a:ext>
+                  </a:extLst>
+                </a:gridCol>
+                <a:gridCol w="968844">
+                  <a:extLst>
+                    <a:ext uri="{9D8B030D-6E8A-4147-A177-3AD203B41FA5}">
+                      <a16:colId xmlns:a16="http://schemas.microsoft.com/office/drawing/2014/main" val="20008"/>
+                    </a:ext>
+                  </a:extLst>
+                </a:gridCol>
               </a:tblGrid>
               <a:tr h="472881">
                 <a:tc gridSpan="9">
@@ -11781,6 +11900,11 @@
                   </a:txBody>
                   <a:tcPr/>
                 </a:tc>
+                <a:extLst>
+                  <a:ext uri="{0D108BD9-81ED-4DB2-BD59-A6C34878D82A}">
+                    <a16:rowId xmlns:a16="http://schemas.microsoft.com/office/drawing/2014/main" val="10000"/>
+                  </a:ext>
+                </a:extLst>
               </a:tr>
               <a:tr h="337772">
                 <a:tc rowSpan="2">
@@ -12013,6 +12137,11 @@
                   </a:txBody>
                   <a:tcPr/>
                 </a:tc>
+                <a:extLst>
+                  <a:ext uri="{0D108BD9-81ED-4DB2-BD59-A6C34878D82A}">
+                    <a16:rowId xmlns:a16="http://schemas.microsoft.com/office/drawing/2014/main" val="10001"/>
+                  </a:ext>
+                </a:extLst>
               </a:tr>
               <a:tr h="582582">
                 <a:tc vMerge="1">
@@ -12165,6 +12294,11 @@
                     </a:solidFill>
                   </a:tcPr>
                 </a:tc>
+                <a:extLst>
+                  <a:ext uri="{0D108BD9-81ED-4DB2-BD59-A6C34878D82A}">
+                    <a16:rowId xmlns:a16="http://schemas.microsoft.com/office/drawing/2014/main" val="10002"/>
+                  </a:ext>
+                </a:extLst>
               </a:tr>
               <a:tr h="337772">
                 <a:tc rowSpan="5">
@@ -12428,6 +12562,11 @@
                     </a:solidFill>
                   </a:tcPr>
                 </a:tc>
+                <a:extLst>
+                  <a:ext uri="{0D108BD9-81ED-4DB2-BD59-A6C34878D82A}">
+                    <a16:rowId xmlns:a16="http://schemas.microsoft.com/office/drawing/2014/main" val="10003"/>
+                  </a:ext>
+                </a:extLst>
               </a:tr>
               <a:tr h="337772">
                 <a:tc vMerge="1">
@@ -12615,6 +12754,11 @@
                     </a:solidFill>
                   </a:tcPr>
                 </a:tc>
+                <a:extLst>
+                  <a:ext uri="{0D108BD9-81ED-4DB2-BD59-A6C34878D82A}">
+                    <a16:rowId xmlns:a16="http://schemas.microsoft.com/office/drawing/2014/main" val="10004"/>
+                  </a:ext>
+                </a:extLst>
               </a:tr>
               <a:tr h="337772">
                 <a:tc vMerge="1">
@@ -12802,6 +12946,11 @@
                     </a:solidFill>
                   </a:tcPr>
                 </a:tc>
+                <a:extLst>
+                  <a:ext uri="{0D108BD9-81ED-4DB2-BD59-A6C34878D82A}">
+                    <a16:rowId xmlns:a16="http://schemas.microsoft.com/office/drawing/2014/main" val="10005"/>
+                  </a:ext>
+                </a:extLst>
               </a:tr>
               <a:tr h="337772">
                 <a:tc vMerge="1">
@@ -12989,6 +13138,11 @@
                     </a:solidFill>
                   </a:tcPr>
                 </a:tc>
+                <a:extLst>
+                  <a:ext uri="{0D108BD9-81ED-4DB2-BD59-A6C34878D82A}">
+                    <a16:rowId xmlns:a16="http://schemas.microsoft.com/office/drawing/2014/main" val="10006"/>
+                  </a:ext>
+                </a:extLst>
               </a:tr>
               <a:tr h="337772">
                 <a:tc vMerge="1">
@@ -13176,6 +13330,11 @@
                     </a:solidFill>
                   </a:tcPr>
                 </a:tc>
+                <a:extLst>
+                  <a:ext uri="{0D108BD9-81ED-4DB2-BD59-A6C34878D82A}">
+                    <a16:rowId xmlns:a16="http://schemas.microsoft.com/office/drawing/2014/main" val="10007"/>
+                  </a:ext>
+                </a:extLst>
               </a:tr>
               <a:tr h="337772">
                 <a:tc rowSpan="4">
@@ -13439,6 +13598,11 @@
                     </a:solidFill>
                   </a:tcPr>
                 </a:tc>
+                <a:extLst>
+                  <a:ext uri="{0D108BD9-81ED-4DB2-BD59-A6C34878D82A}">
+                    <a16:rowId xmlns:a16="http://schemas.microsoft.com/office/drawing/2014/main" val="10008"/>
+                  </a:ext>
+                </a:extLst>
               </a:tr>
               <a:tr h="337772">
                 <a:tc vMerge="1">
@@ -13645,6 +13809,11 @@
                     </a:solidFill>
                   </a:tcPr>
                 </a:tc>
+                <a:extLst>
+                  <a:ext uri="{0D108BD9-81ED-4DB2-BD59-A6C34878D82A}">
+                    <a16:rowId xmlns:a16="http://schemas.microsoft.com/office/drawing/2014/main" val="10009"/>
+                  </a:ext>
+                </a:extLst>
               </a:tr>
               <a:tr h="337772">
                 <a:tc vMerge="1">
@@ -13851,6 +14020,11 @@
                     </a:solidFill>
                   </a:tcPr>
                 </a:tc>
+                <a:extLst>
+                  <a:ext uri="{0D108BD9-81ED-4DB2-BD59-A6C34878D82A}">
+                    <a16:rowId xmlns:a16="http://schemas.microsoft.com/office/drawing/2014/main" val="10010"/>
+                  </a:ext>
+                </a:extLst>
               </a:tr>
               <a:tr h="337772">
                 <a:tc vMerge="1">
@@ -14057,6 +14231,11 @@
                     </a:solidFill>
                   </a:tcPr>
                 </a:tc>
+                <a:extLst>
+                  <a:ext uri="{0D108BD9-81ED-4DB2-BD59-A6C34878D82A}">
+                    <a16:rowId xmlns:a16="http://schemas.microsoft.com/office/drawing/2014/main" val="10011"/>
+                  </a:ext>
+                </a:extLst>
               </a:tr>
               <a:tr h="337772">
                 <a:tc rowSpan="3">
@@ -14320,6 +14499,11 @@
                     </a:solidFill>
                   </a:tcPr>
                 </a:tc>
+                <a:extLst>
+                  <a:ext uri="{0D108BD9-81ED-4DB2-BD59-A6C34878D82A}">
+                    <a16:rowId xmlns:a16="http://schemas.microsoft.com/office/drawing/2014/main" val="10012"/>
+                  </a:ext>
+                </a:extLst>
               </a:tr>
               <a:tr h="337772">
                 <a:tc vMerge="1">
@@ -14507,6 +14691,11 @@
                     </a:solidFill>
                   </a:tcPr>
                 </a:tc>
+                <a:extLst>
+                  <a:ext uri="{0D108BD9-81ED-4DB2-BD59-A6C34878D82A}">
+                    <a16:rowId xmlns:a16="http://schemas.microsoft.com/office/drawing/2014/main" val="10013"/>
+                  </a:ext>
+                </a:extLst>
               </a:tr>
               <a:tr h="337772">
                 <a:tc vMerge="1">
@@ -14713,6 +14902,11 @@
                     </a:solidFill>
                   </a:tcPr>
                 </a:tc>
+                <a:extLst>
+                  <a:ext uri="{0D108BD9-81ED-4DB2-BD59-A6C34878D82A}">
+                    <a16:rowId xmlns:a16="http://schemas.microsoft.com/office/drawing/2014/main" val="10014"/>
+                  </a:ext>
+                </a:extLst>
               </a:tr>
               <a:tr h="337772">
                 <a:tc gridSpan="2">
@@ -14957,6 +15151,11 @@
                     </a:solidFill>
                   </a:tcPr>
                 </a:tc>
+                <a:extLst>
+                  <a:ext uri="{0D108BD9-81ED-4DB2-BD59-A6C34878D82A}">
+                    <a16:rowId xmlns:a16="http://schemas.microsoft.com/office/drawing/2014/main" val="10015"/>
+                  </a:ext>
+                </a:extLst>
               </a:tr>
             </a:tbl>
           </a:graphicData>
@@ -14972,13 +15171,6 @@
   <p:clrMapOvr>
     <a:masterClrMapping/>
   </p:clrMapOvr>
-  <p:timing>
-    <p:tnLst>
-      <p:par>
-        <p:cTn id="1" dur="indefinite" restart="never" nodeType="tmRoot"/>
-      </p:par>
-    </p:tnLst>
-  </p:timing>
 </p:sld>
 </file>
 
@@ -15022,19 +15214,19 @@
           <a:lstStyle/>
           <a:p>
             <a:r>
-              <a:rPr lang="en-US" sz="3600" dirty="0" smtClean="0"/>
+              <a:rPr lang="en-US" sz="3600" dirty="0"/>
               <a:t>Detail </a:t>
             </a:r>
             <a:r>
-              <a:rPr lang="en-US" sz="3600" dirty="0" err="1" smtClean="0"/>
+              <a:rPr lang="en-US" sz="3600" dirty="0" err="1"/>
               <a:t>Hasil</a:t>
             </a:r>
             <a:r>
-              <a:rPr lang="en-US" sz="3600" dirty="0" smtClean="0"/>
+              <a:rPr lang="en-US" sz="3600" dirty="0"/>
               <a:t> </a:t>
             </a:r>
             <a:r>
-              <a:rPr lang="en-US" sz="3600" dirty="0" err="1" smtClean="0"/>
+              <a:rPr lang="en-US" sz="3600" dirty="0" err="1"/>
               <a:t>Validasi</a:t>
             </a:r>
             <a:endParaRPr lang="id-ID" sz="3600" dirty="0"/>
@@ -15361,12 +15553,48 @@
                 <a:tableStyleId>{2A488322-F2BA-4B5B-9748-0D474271808F}</a:tableStyleId>
               </a:tblPr>
               <a:tblGrid>
-                <a:gridCol w="1826592"/>
-                <a:gridCol w="1826592"/>
-                <a:gridCol w="1826592"/>
-                <a:gridCol w="1826592"/>
-                <a:gridCol w="1826592"/>
-                <a:gridCol w="1826592"/>
+                <a:gridCol w="1826592">
+                  <a:extLst>
+                    <a:ext uri="{9D8B030D-6E8A-4147-A177-3AD203B41FA5}">
+                      <a16:colId xmlns:a16="http://schemas.microsoft.com/office/drawing/2014/main" val="20000"/>
+                    </a:ext>
+                  </a:extLst>
+                </a:gridCol>
+                <a:gridCol w="1826592">
+                  <a:extLst>
+                    <a:ext uri="{9D8B030D-6E8A-4147-A177-3AD203B41FA5}">
+                      <a16:colId xmlns:a16="http://schemas.microsoft.com/office/drawing/2014/main" val="20001"/>
+                    </a:ext>
+                  </a:extLst>
+                </a:gridCol>
+                <a:gridCol w="1826592">
+                  <a:extLst>
+                    <a:ext uri="{9D8B030D-6E8A-4147-A177-3AD203B41FA5}">
+                      <a16:colId xmlns:a16="http://schemas.microsoft.com/office/drawing/2014/main" val="20002"/>
+                    </a:ext>
+                  </a:extLst>
+                </a:gridCol>
+                <a:gridCol w="1826592">
+                  <a:extLst>
+                    <a:ext uri="{9D8B030D-6E8A-4147-A177-3AD203B41FA5}">
+                      <a16:colId xmlns:a16="http://schemas.microsoft.com/office/drawing/2014/main" val="20003"/>
+                    </a:ext>
+                  </a:extLst>
+                </a:gridCol>
+                <a:gridCol w="1826592">
+                  <a:extLst>
+                    <a:ext uri="{9D8B030D-6E8A-4147-A177-3AD203B41FA5}">
+                      <a16:colId xmlns:a16="http://schemas.microsoft.com/office/drawing/2014/main" val="20004"/>
+                    </a:ext>
+                  </a:extLst>
+                </a:gridCol>
+                <a:gridCol w="1826592">
+                  <a:extLst>
+                    <a:ext uri="{9D8B030D-6E8A-4147-A177-3AD203B41FA5}">
+                      <a16:colId xmlns:a16="http://schemas.microsoft.com/office/drawing/2014/main" val="20005"/>
+                    </a:ext>
+                  </a:extLst>
+                </a:gridCol>
               </a:tblGrid>
               <a:tr h="925577">
                 <a:tc gridSpan="2">
@@ -15651,6 +15879,11 @@
                   </a:txBody>
                   <a:tcPr marL="9525" marR="9525" marT="9525" marB="0" anchor="ctr"/>
                 </a:tc>
+                <a:extLst>
+                  <a:ext uri="{0D108BD9-81ED-4DB2-BD59-A6C34878D82A}">
+                    <a16:rowId xmlns:a16="http://schemas.microsoft.com/office/drawing/2014/main" val="10000"/>
+                  </a:ext>
+                </a:extLst>
               </a:tr>
               <a:tr h="554397">
                 <a:tc>
@@ -15660,9 +15893,27 @@
                     <a:p>
                       <a:pPr algn="ctr"/>
                       <a:r>
-                        <a:rPr lang="en-US" dirty="0" smtClean="0"/>
+                        <a:rPr lang="en-US" dirty="0"/>
                         <a:t>Valid</a:t>
                       </a:r>
+                    </a:p>
+                  </a:txBody>
+                  <a:tcPr/>
+                </a:tc>
+                <a:tc>
+                  <a:txBody>
+                    <a:bodyPr/>
+                    <a:lstStyle/>
+                    <a:p>
+                      <a:pPr algn="ctr"/>
+                      <a:r>
+                        <a:rPr lang="en-US" dirty="0" err="1"/>
+                        <a:t>Tidak</a:t>
+                      </a:r>
+                      <a:r>
+                        <a:rPr lang="en-US" baseline="0" dirty="0"/>
+                        <a:t> Valid</a:t>
+                      </a:r>
                       <a:endParaRPr lang="en-US" dirty="0"/>
                     </a:p>
                   </a:txBody>
@@ -15675,14 +15926,27 @@
                     <a:p>
                       <a:pPr algn="ctr"/>
                       <a:r>
-                        <a:rPr lang="en-US" dirty="0" err="1" smtClean="0"/>
+                        <a:rPr lang="en-US" dirty="0"/>
+                        <a:t>Valid</a:t>
+                      </a:r>
+                    </a:p>
+                  </a:txBody>
+                  <a:tcPr/>
+                </a:tc>
+                <a:tc>
+                  <a:txBody>
+                    <a:bodyPr/>
+                    <a:lstStyle/>
+                    <a:p>
+                      <a:pPr algn="ctr"/>
+                      <a:r>
+                        <a:rPr lang="en-US" dirty="0" err="1"/>
                         <a:t>Tidak</a:t>
                       </a:r>
                       <a:r>
-                        <a:rPr lang="en-US" baseline="0" dirty="0" smtClean="0"/>
+                        <a:rPr lang="en-US" dirty="0"/>
                         <a:t> Valid</a:t>
                       </a:r>
-                      <a:endParaRPr lang="en-US" dirty="0"/>
                     </a:p>
                   </a:txBody>
                   <a:tcPr/>
@@ -15694,10 +15958,9 @@
                     <a:p>
                       <a:pPr algn="ctr"/>
                       <a:r>
-                        <a:rPr lang="en-US" dirty="0" smtClean="0"/>
+                        <a:rPr lang="en-US" dirty="0"/>
                         <a:t>Valid</a:t>
                       </a:r>
-                      <a:endParaRPr lang="en-US" dirty="0"/>
                     </a:p>
                   </a:txBody>
                   <a:tcPr/>
@@ -15709,52 +15972,22 @@
                     <a:p>
                       <a:pPr algn="ctr"/>
                       <a:r>
-                        <a:rPr lang="en-US" dirty="0" err="1" smtClean="0"/>
+                        <a:rPr lang="en-US" dirty="0" err="1"/>
                         <a:t>Tidak</a:t>
                       </a:r>
                       <a:r>
-                        <a:rPr lang="en-US" dirty="0" smtClean="0"/>
+                        <a:rPr lang="en-US" dirty="0"/>
                         <a:t> Valid</a:t>
                       </a:r>
-                      <a:endParaRPr lang="en-US" dirty="0"/>
                     </a:p>
                   </a:txBody>
                   <a:tcPr/>
                 </a:tc>
-                <a:tc>
-                  <a:txBody>
-                    <a:bodyPr/>
-                    <a:lstStyle/>
-                    <a:p>
-                      <a:pPr algn="ctr"/>
-                      <a:r>
-                        <a:rPr lang="en-US" dirty="0" smtClean="0"/>
-                        <a:t>Valid</a:t>
-                      </a:r>
-                      <a:endParaRPr lang="en-US" dirty="0"/>
-                    </a:p>
-                  </a:txBody>
-                  <a:tcPr/>
-                </a:tc>
-                <a:tc>
-                  <a:txBody>
-                    <a:bodyPr/>
-                    <a:lstStyle/>
-                    <a:p>
-                      <a:pPr algn="ctr"/>
-                      <a:r>
-                        <a:rPr lang="en-US" dirty="0" err="1" smtClean="0"/>
-                        <a:t>Tidak</a:t>
-                      </a:r>
-                      <a:r>
-                        <a:rPr lang="en-US" dirty="0" smtClean="0"/>
-                        <a:t> Valid</a:t>
-                      </a:r>
-                      <a:endParaRPr lang="en-US" dirty="0"/>
-                    </a:p>
-                  </a:txBody>
-                  <a:tcPr/>
-                </a:tc>
+                <a:extLst>
+                  <a:ext uri="{0D108BD9-81ED-4DB2-BD59-A6C34878D82A}">
+                    <a16:rowId xmlns:a16="http://schemas.microsoft.com/office/drawing/2014/main" val="10001"/>
+                  </a:ext>
+                </a:extLst>
               </a:tr>
               <a:tr h="554397">
                 <a:tc>
@@ -15764,10 +15997,9 @@
                     <a:p>
                       <a:pPr algn="ctr"/>
                       <a:r>
-                        <a:rPr lang="en-US" dirty="0" smtClean="0"/>
+                        <a:rPr lang="en-US" dirty="0"/>
                         <a:t>11</a:t>
                       </a:r>
-                      <a:endParaRPr lang="en-US" dirty="0"/>
                     </a:p>
                   </a:txBody>
                   <a:tcPr/>
@@ -15779,10 +16011,9 @@
                     <a:p>
                       <a:pPr algn="ctr"/>
                       <a:r>
-                        <a:rPr lang="en-US" dirty="0" smtClean="0"/>
+                        <a:rPr lang="en-US" dirty="0"/>
                         <a:t>1</a:t>
                       </a:r>
-                      <a:endParaRPr lang="en-US" dirty="0"/>
                     </a:p>
                   </a:txBody>
                   <a:tcPr/>
@@ -15794,10 +16025,9 @@
                     <a:p>
                       <a:pPr algn="ctr"/>
                       <a:r>
-                        <a:rPr lang="en-US" dirty="0" smtClean="0"/>
+                        <a:rPr lang="en-US" dirty="0"/>
                         <a:t>9</a:t>
                       </a:r>
-                      <a:endParaRPr lang="en-US" dirty="0"/>
                     </a:p>
                   </a:txBody>
                   <a:tcPr/>
@@ -15809,10 +16039,9 @@
                     <a:p>
                       <a:pPr algn="ctr"/>
                       <a:r>
-                        <a:rPr lang="en-US" dirty="0" smtClean="0"/>
+                        <a:rPr lang="en-US" dirty="0"/>
                         <a:t>3</a:t>
                       </a:r>
-                      <a:endParaRPr lang="en-US" dirty="0"/>
                     </a:p>
                   </a:txBody>
                   <a:tcPr/>
@@ -15824,10 +16053,9 @@
                     <a:p>
                       <a:pPr algn="ctr"/>
                       <a:r>
-                        <a:rPr lang="en-US" dirty="0" smtClean="0"/>
+                        <a:rPr lang="en-US" dirty="0"/>
                         <a:t>12</a:t>
                       </a:r>
-                      <a:endParaRPr lang="en-US" dirty="0"/>
                     </a:p>
                   </a:txBody>
                   <a:tcPr/>
@@ -15839,14 +16067,18 @@
                     <a:p>
                       <a:pPr algn="ctr"/>
                       <a:r>
-                        <a:rPr lang="en-US" dirty="0" smtClean="0"/>
+                        <a:rPr lang="en-US" dirty="0"/>
                         <a:t>0</a:t>
                       </a:r>
-                      <a:endParaRPr lang="en-US" dirty="0"/>
                     </a:p>
                   </a:txBody>
                   <a:tcPr/>
                 </a:tc>
+                <a:extLst>
+                  <a:ext uri="{0D108BD9-81ED-4DB2-BD59-A6C34878D82A}">
+                    <a16:rowId xmlns:a16="http://schemas.microsoft.com/office/drawing/2014/main" val="10002"/>
+                  </a:ext>
+                </a:extLst>
               </a:tr>
               <a:tr h="554397">
                 <a:tc gridSpan="2">
@@ -15856,11 +16088,11 @@
                     <a:p>
                       <a:pPr algn="ctr"/>
                       <a:r>
-                        <a:rPr lang="en-US" dirty="0" smtClean="0"/>
+                        <a:rPr lang="en-US" dirty="0"/>
                         <a:t>Total = 12 </a:t>
                       </a:r>
                       <a:r>
-                        <a:rPr lang="en-US" dirty="0" err="1" smtClean="0"/>
+                        <a:rPr lang="en-US" dirty="0" err="1"/>
                         <a:t>Responden</a:t>
                       </a:r>
                       <a:endParaRPr lang="en-US" dirty="0"/>
@@ -15885,11 +16117,11 @@
                     <a:p>
                       <a:pPr algn="ctr"/>
                       <a:r>
-                        <a:rPr lang="en-US" dirty="0" smtClean="0"/>
+                        <a:rPr lang="en-US" dirty="0"/>
                         <a:t>Total = 12 </a:t>
                       </a:r>
                       <a:r>
-                        <a:rPr lang="en-US" dirty="0" err="1" smtClean="0"/>
+                        <a:rPr lang="en-US" dirty="0" err="1"/>
                         <a:t>Responden</a:t>
                       </a:r>
                       <a:endParaRPr lang="en-US" dirty="0"/>
@@ -15914,15 +16146,15 @@
                     <a:p>
                       <a:pPr algn="ctr"/>
                       <a:r>
-                        <a:rPr lang="en-US" dirty="0" smtClean="0"/>
+                        <a:rPr lang="en-US" dirty="0"/>
                         <a:t>Total</a:t>
                       </a:r>
                       <a:r>
-                        <a:rPr lang="en-US" baseline="0" dirty="0" smtClean="0"/>
+                        <a:rPr lang="en-US" baseline="0" dirty="0"/>
                         <a:t> = 12 </a:t>
                       </a:r>
                       <a:r>
-                        <a:rPr lang="en-US" baseline="0" dirty="0" err="1" smtClean="0"/>
+                        <a:rPr lang="en-US" baseline="0" dirty="0" err="1"/>
                         <a:t>Responden</a:t>
                       </a:r>
                       <a:endParaRPr lang="en-US" dirty="0"/>
@@ -15940,6 +16172,11 @@
                   </a:txBody>
                   <a:tcPr/>
                 </a:tc>
+                <a:extLst>
+                  <a:ext uri="{0D108BD9-81ED-4DB2-BD59-A6C34878D82A}">
+                    <a16:rowId xmlns:a16="http://schemas.microsoft.com/office/drawing/2014/main" val="10003"/>
+                  </a:ext>
+                </a:extLst>
               </a:tr>
             </a:tbl>
           </a:graphicData>
@@ -15955,13 +16192,6 @@
   <p:clrMapOvr>
     <a:masterClrMapping/>
   </p:clrMapOvr>
-  <p:timing>
-    <p:tnLst>
-      <p:par>
-        <p:cTn id="1" dur="indefinite" restart="never" nodeType="tmRoot"/>
-      </p:par>
-    </p:tnLst>
-  </p:timing>
 </p:sld>
 </file>
 
@@ -16311,13 +16541,6 @@
   <p:clrMapOvr>
     <a:masterClrMapping/>
   </p:clrMapOvr>
-  <p:timing>
-    <p:tnLst>
-      <p:par>
-        <p:cTn id="1" dur="indefinite" restart="never" nodeType="tmRoot"/>
-      </p:par>
-    </p:tnLst>
-  </p:timing>
 </p:sld>
 </file>
 
@@ -16667,13 +16890,6 @@
   <p:clrMapOvr>
     <a:masterClrMapping/>
   </p:clrMapOvr>
-  <p:timing>
-    <p:tnLst>
-      <p:par>
-        <p:cTn id="1" dur="indefinite" restart="never" nodeType="tmRoot"/>
-      </p:par>
-    </p:tnLst>
-  </p:timing>
 </p:sld>
 </file>
 
